--- a/Haushaltskasse_Mockup.pptx
+++ b/Haushaltskasse_Mockup.pptx
@@ -9,6 +9,8 @@
     <p:sldId id="257" r:id="rId6"/>
     <p:sldId id="258" r:id="rId7"/>
     <p:sldId id="259" r:id="rId8"/>
+    <p:sldId id="260" r:id="rId9"/>
+    <p:sldId id="262" r:id="rId10"/>
   </p:sldIdLst>
   <p:sldSz cx="12192000" cy="6858000"/>
   <p:notesSz cx="6858000" cy="9144000"/>
@@ -107,6 +109,11 @@
       </a:defRPr>
     </a:lvl9pPr>
   </p:defaultTextStyle>
+  <p:extLst>
+    <p:ext uri="{EFAFB233-063F-42B5-8137-9DF3F51BA10A}">
+      <p15:sldGuideLst xmlns:p15="http://schemas.microsoft.com/office/powerpoint/2012/main"/>
+    </p:ext>
+  </p:extLst>
 </p:presentation>
 </file>
 
@@ -259,7 +266,7 @@
           <a:p>
             <a:fld id="{B8716D05-2E1F-4566-AFEC-170EBC6F0F3F}" type="datetimeFigureOut">
               <a:rPr lang="de-DE" smtClean="0"/>
-              <a:t>10.02.2025</a:t>
+              <a:t>11.02.2025</a:t>
             </a:fld>
             <a:endParaRPr lang="de-DE"/>
           </a:p>
@@ -459,7 +466,7 @@
           <a:p>
             <a:fld id="{B8716D05-2E1F-4566-AFEC-170EBC6F0F3F}" type="datetimeFigureOut">
               <a:rPr lang="de-DE" smtClean="0"/>
-              <a:t>10.02.2025</a:t>
+              <a:t>11.02.2025</a:t>
             </a:fld>
             <a:endParaRPr lang="de-DE"/>
           </a:p>
@@ -669,7 +676,7 @@
           <a:p>
             <a:fld id="{B8716D05-2E1F-4566-AFEC-170EBC6F0F3F}" type="datetimeFigureOut">
               <a:rPr lang="de-DE" smtClean="0"/>
-              <a:t>10.02.2025</a:t>
+              <a:t>11.02.2025</a:t>
             </a:fld>
             <a:endParaRPr lang="de-DE"/>
           </a:p>
@@ -869,7 +876,7 @@
           <a:p>
             <a:fld id="{B8716D05-2E1F-4566-AFEC-170EBC6F0F3F}" type="datetimeFigureOut">
               <a:rPr lang="de-DE" smtClean="0"/>
-              <a:t>10.02.2025</a:t>
+              <a:t>11.02.2025</a:t>
             </a:fld>
             <a:endParaRPr lang="de-DE"/>
           </a:p>
@@ -1145,7 +1152,7 @@
           <a:p>
             <a:fld id="{B8716D05-2E1F-4566-AFEC-170EBC6F0F3F}" type="datetimeFigureOut">
               <a:rPr lang="de-DE" smtClean="0"/>
-              <a:t>10.02.2025</a:t>
+              <a:t>11.02.2025</a:t>
             </a:fld>
             <a:endParaRPr lang="de-DE"/>
           </a:p>
@@ -1413,7 +1420,7 @@
           <a:p>
             <a:fld id="{B8716D05-2E1F-4566-AFEC-170EBC6F0F3F}" type="datetimeFigureOut">
               <a:rPr lang="de-DE" smtClean="0"/>
-              <a:t>10.02.2025</a:t>
+              <a:t>11.02.2025</a:t>
             </a:fld>
             <a:endParaRPr lang="de-DE"/>
           </a:p>
@@ -1828,7 +1835,7 @@
           <a:p>
             <a:fld id="{B8716D05-2E1F-4566-AFEC-170EBC6F0F3F}" type="datetimeFigureOut">
               <a:rPr lang="de-DE" smtClean="0"/>
-              <a:t>10.02.2025</a:t>
+              <a:t>11.02.2025</a:t>
             </a:fld>
             <a:endParaRPr lang="de-DE"/>
           </a:p>
@@ -1970,7 +1977,7 @@
           <a:p>
             <a:fld id="{B8716D05-2E1F-4566-AFEC-170EBC6F0F3F}" type="datetimeFigureOut">
               <a:rPr lang="de-DE" smtClean="0"/>
-              <a:t>10.02.2025</a:t>
+              <a:t>11.02.2025</a:t>
             </a:fld>
             <a:endParaRPr lang="de-DE"/>
           </a:p>
@@ -2083,7 +2090,7 @@
           <a:p>
             <a:fld id="{B8716D05-2E1F-4566-AFEC-170EBC6F0F3F}" type="datetimeFigureOut">
               <a:rPr lang="de-DE" smtClean="0"/>
-              <a:t>10.02.2025</a:t>
+              <a:t>11.02.2025</a:t>
             </a:fld>
             <a:endParaRPr lang="de-DE"/>
           </a:p>
@@ -2396,7 +2403,7 @@
           <a:p>
             <a:fld id="{B8716D05-2E1F-4566-AFEC-170EBC6F0F3F}" type="datetimeFigureOut">
               <a:rPr lang="de-DE" smtClean="0"/>
-              <a:t>10.02.2025</a:t>
+              <a:t>11.02.2025</a:t>
             </a:fld>
             <a:endParaRPr lang="de-DE"/>
           </a:p>
@@ -2685,7 +2692,7 @@
           <a:p>
             <a:fld id="{B8716D05-2E1F-4566-AFEC-170EBC6F0F3F}" type="datetimeFigureOut">
               <a:rPr lang="de-DE" smtClean="0"/>
-              <a:t>10.02.2025</a:t>
+              <a:t>11.02.2025</a:t>
             </a:fld>
             <a:endParaRPr lang="de-DE"/>
           </a:p>
@@ -2928,7 +2935,7 @@
           <a:p>
             <a:fld id="{B8716D05-2E1F-4566-AFEC-170EBC6F0F3F}" type="datetimeFigureOut">
               <a:rPr lang="de-DE" smtClean="0"/>
-              <a:t>10.02.2025</a:t>
+              <a:t>11.02.2025</a:t>
             </a:fld>
             <a:endParaRPr lang="de-DE"/>
           </a:p>
@@ -5759,7 +5766,7 @@
           <a:p>
             <a:r>
               <a:rPr lang="de-DE" sz="2000" dirty="0"/>
-              <a:t>spätestens:	        maximal:	               Search: </a:t>
+              <a:t>spätestens:	        maximal:	               </a:t>
             </a:r>
           </a:p>
         </p:txBody>
@@ -7892,8 +7899,8 @@
         </p:nvSpPr>
         <p:spPr>
           <a:xfrm>
-            <a:off x="7478037" y="2913101"/>
-            <a:ext cx="1635399" cy="233934"/>
+            <a:off x="7053120" y="2930664"/>
+            <a:ext cx="1874508" cy="233934"/>
           </a:xfrm>
           <a:prstGeom prst="rect">
             <a:avLst/>
@@ -8243,7 +8250,7 @@
         </p:nvSpPr>
         <p:spPr>
           <a:xfrm>
-            <a:off x="7425054" y="2883741"/>
+            <a:off x="7238112" y="2902386"/>
             <a:ext cx="1649536" cy="276999"/>
           </a:xfrm>
           <a:prstGeom prst="rect">
@@ -8261,6 +8268,119 @@
               <a:rPr lang="de-DE" sz="1200" dirty="0"/>
               <a:t>Text input (Suche)</a:t>
             </a:r>
+          </a:p>
+        </p:txBody>
+      </p:sp>
+      <p:pic>
+        <p:nvPicPr>
+          <p:cNvPr id="13" name="Picture 12">
+            <a:extLst>
+              <a:ext uri="{FF2B5EF4-FFF2-40B4-BE49-F238E27FC236}">
+                <a16:creationId xmlns:a16="http://schemas.microsoft.com/office/drawing/2014/main" id="{1B140BC1-4BC3-B5A6-9317-978A29C48B4C}"/>
+              </a:ext>
+            </a:extLst>
+          </p:cNvPr>
+          <p:cNvPicPr>
+            <a:picLocks noChangeAspect="1"/>
+          </p:cNvPicPr>
+          <p:nvPr/>
+        </p:nvPicPr>
+        <p:blipFill>
+          <a:blip r:embed="rId4"/>
+          <a:stretch>
+            <a:fillRect/>
+          </a:stretch>
+        </p:blipFill>
+        <p:spPr>
+          <a:xfrm>
+            <a:off x="6604974" y="2913740"/>
+            <a:ext cx="319616" cy="277000"/>
+          </a:xfrm>
+          <a:prstGeom prst="rect">
+            <a:avLst/>
+          </a:prstGeom>
+        </p:spPr>
+      </p:pic>
+      <p:sp>
+        <p:nvSpPr>
+          <p:cNvPr id="14" name="TextBox 13">
+            <a:extLst>
+              <a:ext uri="{FF2B5EF4-FFF2-40B4-BE49-F238E27FC236}">
+                <a16:creationId xmlns:a16="http://schemas.microsoft.com/office/drawing/2014/main" id="{532C7ED8-6B4C-02EF-CF01-9A0F89C82A75}"/>
+              </a:ext>
+            </a:extLst>
+          </p:cNvPr>
+          <p:cNvSpPr txBox="1"/>
+          <p:nvPr/>
+        </p:nvSpPr>
+        <p:spPr>
+          <a:xfrm>
+            <a:off x="9276859" y="2868387"/>
+            <a:ext cx="950039" cy="369332"/>
+          </a:xfrm>
+          <a:prstGeom prst="rect">
+            <a:avLst/>
+          </a:prstGeom>
+          <a:noFill/>
+        </p:spPr>
+        <p:txBody>
+          <a:bodyPr wrap="square" rtlCol="0">
+            <a:spAutoFit/>
+          </a:bodyPr>
+          <a:lstStyle/>
+          <a:p>
+            <a:pPr algn="ctr"/>
+            <a:r>
+              <a:rPr lang="de-DE" dirty="0"/>
+              <a:t>Suchen</a:t>
+            </a:r>
+          </a:p>
+        </p:txBody>
+      </p:sp>
+      <p:sp>
+        <p:nvSpPr>
+          <p:cNvPr id="15" name="Rectangle 14">
+            <a:extLst>
+              <a:ext uri="{FF2B5EF4-FFF2-40B4-BE49-F238E27FC236}">
+                <a16:creationId xmlns:a16="http://schemas.microsoft.com/office/drawing/2014/main" id="{F96A776B-C959-4C8B-5309-8D7634E6BCC6}"/>
+              </a:ext>
+            </a:extLst>
+          </p:cNvPr>
+          <p:cNvSpPr/>
+          <p:nvPr/>
+        </p:nvSpPr>
+        <p:spPr>
+          <a:xfrm>
+            <a:off x="9112621" y="2910674"/>
+            <a:ext cx="1236618" cy="291288"/>
+          </a:xfrm>
+          <a:prstGeom prst="rect">
+            <a:avLst/>
+          </a:prstGeom>
+          <a:noFill/>
+        </p:spPr>
+        <p:style>
+          <a:lnRef idx="2">
+            <a:schemeClr val="accent1">
+              <a:shade val="15000"/>
+            </a:schemeClr>
+          </a:lnRef>
+          <a:fillRef idx="1">
+            <a:schemeClr val="accent1"/>
+          </a:fillRef>
+          <a:effectRef idx="0">
+            <a:schemeClr val="accent1"/>
+          </a:effectRef>
+          <a:fontRef idx="minor">
+            <a:schemeClr val="lt1"/>
+          </a:fontRef>
+        </p:style>
+        <p:txBody>
+          <a:bodyPr rtlCol="0" anchor="ctr"/>
+          <a:lstStyle/>
+          <a:p>
+            <a:pPr algn="ctr"/>
+            <a:endParaRPr lang="de-DE"/>
           </a:p>
         </p:txBody>
       </p:sp>
@@ -8268,6 +8388,2332 @@
     <p:extLst>
       <p:ext uri="{BB962C8B-B14F-4D97-AF65-F5344CB8AC3E}">
         <p14:creationId xmlns:p14="http://schemas.microsoft.com/office/powerpoint/2010/main" val="2009316591"/>
+      </p:ext>
+    </p:extLst>
+  </p:cSld>
+  <p:clrMapOvr>
+    <a:masterClrMapping/>
+  </p:clrMapOvr>
+</p:sld>
+</file>
+
+<file path=ppt/slides/slide5.xml><?xml version="1.0" encoding="utf-8"?>
+<p:sld xmlns:a="http://schemas.openxmlformats.org/drawingml/2006/main" xmlns:r="http://schemas.openxmlformats.org/officeDocument/2006/relationships" xmlns:p="http://schemas.openxmlformats.org/presentationml/2006/main">
+  <p:cSld>
+    <p:spTree>
+      <p:nvGrpSpPr>
+        <p:cNvPr id="1" name="">
+          <a:extLst>
+            <a:ext uri="{FF2B5EF4-FFF2-40B4-BE49-F238E27FC236}">
+              <a16:creationId xmlns:a16="http://schemas.microsoft.com/office/drawing/2014/main" id="{2AB468E0-21F8-EDE4-BBF1-29FAF52B2534}"/>
+            </a:ext>
+          </a:extLst>
+        </p:cNvPr>
+        <p:cNvGrpSpPr/>
+        <p:nvPr/>
+      </p:nvGrpSpPr>
+      <p:grpSpPr>
+        <a:xfrm>
+          <a:off x="0" y="0"/>
+          <a:ext cx="0" cy="0"/>
+          <a:chOff x="0" y="0"/>
+          <a:chExt cx="0" cy="0"/>
+        </a:xfrm>
+      </p:grpSpPr>
+      <p:sp>
+        <p:nvSpPr>
+          <p:cNvPr id="4" name="Rectangle 3">
+            <a:extLst>
+              <a:ext uri="{FF2B5EF4-FFF2-40B4-BE49-F238E27FC236}">
+                <a16:creationId xmlns:a16="http://schemas.microsoft.com/office/drawing/2014/main" id="{CD67A692-A029-A05A-F1DC-E6830EB9FC3F}"/>
+              </a:ext>
+            </a:extLst>
+          </p:cNvPr>
+          <p:cNvSpPr/>
+          <p:nvPr/>
+        </p:nvSpPr>
+        <p:spPr>
+          <a:xfrm>
+            <a:off x="2145670" y="1165303"/>
+            <a:ext cx="7586805" cy="4527393"/>
+          </a:xfrm>
+          <a:prstGeom prst="rect">
+            <a:avLst/>
+          </a:prstGeom>
+          <a:noFill/>
+        </p:spPr>
+        <p:style>
+          <a:lnRef idx="2">
+            <a:schemeClr val="accent1">
+              <a:shade val="15000"/>
+            </a:schemeClr>
+          </a:lnRef>
+          <a:fillRef idx="1">
+            <a:schemeClr val="accent1"/>
+          </a:fillRef>
+          <a:effectRef idx="0">
+            <a:schemeClr val="accent1"/>
+          </a:effectRef>
+          <a:fontRef idx="minor">
+            <a:schemeClr val="lt1"/>
+          </a:fontRef>
+        </p:style>
+        <p:txBody>
+          <a:bodyPr rtlCol="0" anchor="ctr"/>
+          <a:lstStyle/>
+          <a:p>
+            <a:pPr algn="ctr"/>
+            <a:endParaRPr lang="de-DE"/>
+          </a:p>
+        </p:txBody>
+      </p:sp>
+      <p:sp>
+        <p:nvSpPr>
+          <p:cNvPr id="20" name="Rectangle 19">
+            <a:extLst>
+              <a:ext uri="{FF2B5EF4-FFF2-40B4-BE49-F238E27FC236}">
+                <a16:creationId xmlns:a16="http://schemas.microsoft.com/office/drawing/2014/main" id="{3CECAD56-A2E5-42D8-E788-29BDB864F2EE}"/>
+              </a:ext>
+            </a:extLst>
+          </p:cNvPr>
+          <p:cNvSpPr/>
+          <p:nvPr/>
+        </p:nvSpPr>
+        <p:spPr>
+          <a:xfrm>
+            <a:off x="5204763" y="4244658"/>
+            <a:ext cx="3526082" cy="461665"/>
+          </a:xfrm>
+          <a:prstGeom prst="rect">
+            <a:avLst/>
+          </a:prstGeom>
+          <a:noFill/>
+        </p:spPr>
+        <p:style>
+          <a:lnRef idx="2">
+            <a:schemeClr val="accent1">
+              <a:shade val="15000"/>
+            </a:schemeClr>
+          </a:lnRef>
+          <a:fillRef idx="1">
+            <a:schemeClr val="accent1"/>
+          </a:fillRef>
+          <a:effectRef idx="0">
+            <a:schemeClr val="accent1"/>
+          </a:effectRef>
+          <a:fontRef idx="minor">
+            <a:schemeClr val="lt1"/>
+          </a:fontRef>
+        </p:style>
+        <p:txBody>
+          <a:bodyPr rtlCol="0" anchor="ctr"/>
+          <a:lstStyle/>
+          <a:p>
+            <a:pPr algn="ctr"/>
+            <a:endParaRPr lang="de-DE"/>
+          </a:p>
+        </p:txBody>
+      </p:sp>
+      <p:sp>
+        <p:nvSpPr>
+          <p:cNvPr id="21" name="Rectangle 20">
+            <a:extLst>
+              <a:ext uri="{FF2B5EF4-FFF2-40B4-BE49-F238E27FC236}">
+                <a16:creationId xmlns:a16="http://schemas.microsoft.com/office/drawing/2014/main" id="{F6598299-8C10-BD1C-CCC5-CD714CFCAD4B}"/>
+              </a:ext>
+            </a:extLst>
+          </p:cNvPr>
+          <p:cNvSpPr/>
+          <p:nvPr/>
+        </p:nvSpPr>
+        <p:spPr>
+          <a:xfrm>
+            <a:off x="2591292" y="4892365"/>
+            <a:ext cx="3174990" cy="595923"/>
+          </a:xfrm>
+          <a:prstGeom prst="rect">
+            <a:avLst/>
+          </a:prstGeom>
+          <a:noFill/>
+        </p:spPr>
+        <p:style>
+          <a:lnRef idx="2">
+            <a:schemeClr val="accent1">
+              <a:shade val="15000"/>
+            </a:schemeClr>
+          </a:lnRef>
+          <a:fillRef idx="1">
+            <a:schemeClr val="accent1"/>
+          </a:fillRef>
+          <a:effectRef idx="0">
+            <a:schemeClr val="accent1"/>
+          </a:effectRef>
+          <a:fontRef idx="minor">
+            <a:schemeClr val="lt1"/>
+          </a:fontRef>
+        </p:style>
+        <p:txBody>
+          <a:bodyPr rtlCol="0" anchor="ctr"/>
+          <a:lstStyle/>
+          <a:p>
+            <a:pPr algn="ctr"/>
+            <a:endParaRPr lang="de-DE"/>
+          </a:p>
+        </p:txBody>
+      </p:sp>
+      <p:sp>
+        <p:nvSpPr>
+          <p:cNvPr id="34" name="TextBox 33">
+            <a:extLst>
+              <a:ext uri="{FF2B5EF4-FFF2-40B4-BE49-F238E27FC236}">
+                <a16:creationId xmlns:a16="http://schemas.microsoft.com/office/drawing/2014/main" id="{ACEE3E69-C6E6-0499-47A5-448E912D57FD}"/>
+              </a:ext>
+            </a:extLst>
+          </p:cNvPr>
+          <p:cNvSpPr txBox="1"/>
+          <p:nvPr/>
+        </p:nvSpPr>
+        <p:spPr>
+          <a:xfrm>
+            <a:off x="2591292" y="4956888"/>
+            <a:ext cx="3174990" cy="461665"/>
+          </a:xfrm>
+          <a:prstGeom prst="rect">
+            <a:avLst/>
+          </a:prstGeom>
+          <a:noFill/>
+        </p:spPr>
+        <p:txBody>
+          <a:bodyPr wrap="square" rtlCol="0">
+            <a:spAutoFit/>
+          </a:bodyPr>
+          <a:lstStyle/>
+          <a:p>
+            <a:pPr algn="ctr"/>
+            <a:r>
+              <a:rPr lang="de-DE" sz="2400" dirty="0"/>
+              <a:t>Eintrag einfügen</a:t>
+            </a:r>
+          </a:p>
+        </p:txBody>
+      </p:sp>
+      <p:sp>
+        <p:nvSpPr>
+          <p:cNvPr id="2" name="Rectangle 1">
+            <a:extLst>
+              <a:ext uri="{FF2B5EF4-FFF2-40B4-BE49-F238E27FC236}">
+                <a16:creationId xmlns:a16="http://schemas.microsoft.com/office/drawing/2014/main" id="{E2AE7667-F950-07E3-D7D7-A55FE4BCA3E9}"/>
+              </a:ext>
+            </a:extLst>
+          </p:cNvPr>
+          <p:cNvSpPr/>
+          <p:nvPr/>
+        </p:nvSpPr>
+        <p:spPr>
+          <a:xfrm>
+            <a:off x="6211904" y="4892365"/>
+            <a:ext cx="3174990" cy="595923"/>
+          </a:xfrm>
+          <a:prstGeom prst="rect">
+            <a:avLst/>
+          </a:prstGeom>
+          <a:noFill/>
+        </p:spPr>
+        <p:style>
+          <a:lnRef idx="2">
+            <a:schemeClr val="accent1">
+              <a:shade val="15000"/>
+            </a:schemeClr>
+          </a:lnRef>
+          <a:fillRef idx="1">
+            <a:schemeClr val="accent1"/>
+          </a:fillRef>
+          <a:effectRef idx="0">
+            <a:schemeClr val="accent1"/>
+          </a:effectRef>
+          <a:fontRef idx="minor">
+            <a:schemeClr val="lt1"/>
+          </a:fontRef>
+        </p:style>
+        <p:txBody>
+          <a:bodyPr rtlCol="0" anchor="ctr"/>
+          <a:lstStyle/>
+          <a:p>
+            <a:pPr algn="ctr"/>
+            <a:endParaRPr lang="de-DE"/>
+          </a:p>
+        </p:txBody>
+      </p:sp>
+      <p:sp>
+        <p:nvSpPr>
+          <p:cNvPr id="3" name="TextBox 2">
+            <a:extLst>
+              <a:ext uri="{FF2B5EF4-FFF2-40B4-BE49-F238E27FC236}">
+                <a16:creationId xmlns:a16="http://schemas.microsoft.com/office/drawing/2014/main" id="{74E261E3-020E-AA03-3AC8-3E7FC6DFE27B}"/>
+              </a:ext>
+            </a:extLst>
+          </p:cNvPr>
+          <p:cNvSpPr txBox="1"/>
+          <p:nvPr/>
+        </p:nvSpPr>
+        <p:spPr>
+          <a:xfrm>
+            <a:off x="6211904" y="4956888"/>
+            <a:ext cx="3174990" cy="461665"/>
+          </a:xfrm>
+          <a:prstGeom prst="rect">
+            <a:avLst/>
+          </a:prstGeom>
+          <a:noFill/>
+        </p:spPr>
+        <p:txBody>
+          <a:bodyPr wrap="square" rtlCol="0">
+            <a:spAutoFit/>
+          </a:bodyPr>
+          <a:lstStyle/>
+          <a:p>
+            <a:pPr algn="ctr"/>
+            <a:r>
+              <a:rPr lang="de-DE" sz="2400" dirty="0"/>
+              <a:t>Abbrechen</a:t>
+            </a:r>
+          </a:p>
+        </p:txBody>
+      </p:sp>
+      <p:sp>
+        <p:nvSpPr>
+          <p:cNvPr id="5" name="TextBox 4">
+            <a:extLst>
+              <a:ext uri="{FF2B5EF4-FFF2-40B4-BE49-F238E27FC236}">
+                <a16:creationId xmlns:a16="http://schemas.microsoft.com/office/drawing/2014/main" id="{206771D8-A0BD-EED0-F3A4-BF3C38002097}"/>
+              </a:ext>
+            </a:extLst>
+          </p:cNvPr>
+          <p:cNvSpPr txBox="1"/>
+          <p:nvPr/>
+        </p:nvSpPr>
+        <p:spPr>
+          <a:xfrm>
+            <a:off x="3545633" y="2449588"/>
+            <a:ext cx="633154" cy="400110"/>
+          </a:xfrm>
+          <a:prstGeom prst="rect">
+            <a:avLst/>
+          </a:prstGeom>
+          <a:noFill/>
+        </p:spPr>
+        <p:txBody>
+          <a:bodyPr wrap="square" rtlCol="0">
+            <a:spAutoFit/>
+          </a:bodyPr>
+          <a:lstStyle/>
+          <a:p>
+            <a:pPr algn="ctr"/>
+            <a:r>
+              <a:rPr lang="de-DE" sz="2000" dirty="0"/>
+              <a:t>Typ:</a:t>
+            </a:r>
+          </a:p>
+        </p:txBody>
+      </p:sp>
+      <p:sp>
+        <p:nvSpPr>
+          <p:cNvPr id="6" name="TextBox 5">
+            <a:extLst>
+              <a:ext uri="{FF2B5EF4-FFF2-40B4-BE49-F238E27FC236}">
+                <a16:creationId xmlns:a16="http://schemas.microsoft.com/office/drawing/2014/main" id="{435985C6-5BC9-CD05-322E-E2B2418B1CAE}"/>
+              </a:ext>
+            </a:extLst>
+          </p:cNvPr>
+          <p:cNvSpPr txBox="1"/>
+          <p:nvPr/>
+        </p:nvSpPr>
+        <p:spPr>
+          <a:xfrm>
+            <a:off x="3347891" y="3072349"/>
+            <a:ext cx="841599" cy="400110"/>
+          </a:xfrm>
+          <a:prstGeom prst="rect">
+            <a:avLst/>
+          </a:prstGeom>
+          <a:noFill/>
+        </p:spPr>
+        <p:txBody>
+          <a:bodyPr wrap="square" rtlCol="0">
+            <a:spAutoFit/>
+          </a:bodyPr>
+          <a:lstStyle/>
+          <a:p>
+            <a:pPr algn="ctr"/>
+            <a:r>
+              <a:rPr lang="de-DE" sz="2000" dirty="0"/>
+              <a:t>Wert:</a:t>
+            </a:r>
+          </a:p>
+        </p:txBody>
+      </p:sp>
+      <p:sp>
+        <p:nvSpPr>
+          <p:cNvPr id="7" name="TextBox 6">
+            <a:extLst>
+              <a:ext uri="{FF2B5EF4-FFF2-40B4-BE49-F238E27FC236}">
+                <a16:creationId xmlns:a16="http://schemas.microsoft.com/office/drawing/2014/main" id="{701DA2DC-0329-EE90-8FA3-44A1E770151F}"/>
+              </a:ext>
+            </a:extLst>
+          </p:cNvPr>
+          <p:cNvSpPr txBox="1"/>
+          <p:nvPr/>
+        </p:nvSpPr>
+        <p:spPr>
+          <a:xfrm>
+            <a:off x="3185762" y="3669370"/>
+            <a:ext cx="1010619" cy="400110"/>
+          </a:xfrm>
+          <a:prstGeom prst="rect">
+            <a:avLst/>
+          </a:prstGeom>
+          <a:noFill/>
+        </p:spPr>
+        <p:txBody>
+          <a:bodyPr wrap="square" rtlCol="0">
+            <a:spAutoFit/>
+          </a:bodyPr>
+          <a:lstStyle/>
+          <a:p>
+            <a:pPr algn="ctr"/>
+            <a:r>
+              <a:rPr lang="de-DE" sz="2000" dirty="0"/>
+              <a:t>Datum:</a:t>
+            </a:r>
+          </a:p>
+        </p:txBody>
+      </p:sp>
+      <p:sp>
+        <p:nvSpPr>
+          <p:cNvPr id="8" name="TextBox 7">
+            <a:extLst>
+              <a:ext uri="{FF2B5EF4-FFF2-40B4-BE49-F238E27FC236}">
+                <a16:creationId xmlns:a16="http://schemas.microsoft.com/office/drawing/2014/main" id="{9F3B2A96-7698-F7AF-9A40-048F537B5B35}"/>
+              </a:ext>
+            </a:extLst>
+          </p:cNvPr>
+          <p:cNvSpPr txBox="1"/>
+          <p:nvPr/>
+        </p:nvSpPr>
+        <p:spPr>
+          <a:xfrm>
+            <a:off x="3097935" y="4306411"/>
+            <a:ext cx="1095469" cy="400110"/>
+          </a:xfrm>
+          <a:prstGeom prst="rect">
+            <a:avLst/>
+          </a:prstGeom>
+          <a:noFill/>
+        </p:spPr>
+        <p:txBody>
+          <a:bodyPr wrap="square" rtlCol="0">
+            <a:spAutoFit/>
+          </a:bodyPr>
+          <a:lstStyle/>
+          <a:p>
+            <a:pPr algn="ctr"/>
+            <a:r>
+              <a:rPr lang="de-DE" sz="2000" dirty="0"/>
+              <a:t>Bereich:</a:t>
+            </a:r>
+          </a:p>
+        </p:txBody>
+      </p:sp>
+      <p:sp>
+        <p:nvSpPr>
+          <p:cNvPr id="9" name="TextBox 8">
+            <a:extLst>
+              <a:ext uri="{FF2B5EF4-FFF2-40B4-BE49-F238E27FC236}">
+                <a16:creationId xmlns:a16="http://schemas.microsoft.com/office/drawing/2014/main" id="{0C4F5A58-B004-BBA8-2F84-23BE0531464D}"/>
+              </a:ext>
+            </a:extLst>
+          </p:cNvPr>
+          <p:cNvSpPr txBox="1"/>
+          <p:nvPr/>
+        </p:nvSpPr>
+        <p:spPr>
+          <a:xfrm>
+            <a:off x="2145670" y="1238712"/>
+            <a:ext cx="7586804" cy="584775"/>
+          </a:xfrm>
+          <a:prstGeom prst="rect">
+            <a:avLst/>
+          </a:prstGeom>
+          <a:noFill/>
+        </p:spPr>
+        <p:txBody>
+          <a:bodyPr wrap="square" rtlCol="0">
+            <a:spAutoFit/>
+          </a:bodyPr>
+          <a:lstStyle/>
+          <a:p>
+            <a:pPr algn="ctr"/>
+            <a:r>
+              <a:rPr lang="de-DE" sz="3200" dirty="0"/>
+              <a:t>Neuer Eintrag</a:t>
+            </a:r>
+          </a:p>
+        </p:txBody>
+      </p:sp>
+      <p:sp>
+        <p:nvSpPr>
+          <p:cNvPr id="12" name="Rectangle 11">
+            <a:extLst>
+              <a:ext uri="{FF2B5EF4-FFF2-40B4-BE49-F238E27FC236}">
+                <a16:creationId xmlns:a16="http://schemas.microsoft.com/office/drawing/2014/main" id="{E3846E48-B0F3-81E7-A307-03E028995A96}"/>
+              </a:ext>
+            </a:extLst>
+          </p:cNvPr>
+          <p:cNvSpPr/>
+          <p:nvPr/>
+        </p:nvSpPr>
+        <p:spPr>
+          <a:xfrm>
+            <a:off x="5202252" y="3644598"/>
+            <a:ext cx="3526082" cy="461665"/>
+          </a:xfrm>
+          <a:prstGeom prst="rect">
+            <a:avLst/>
+          </a:prstGeom>
+          <a:noFill/>
+        </p:spPr>
+        <p:style>
+          <a:lnRef idx="2">
+            <a:schemeClr val="accent1">
+              <a:shade val="15000"/>
+            </a:schemeClr>
+          </a:lnRef>
+          <a:fillRef idx="1">
+            <a:schemeClr val="accent1"/>
+          </a:fillRef>
+          <a:effectRef idx="0">
+            <a:schemeClr val="accent1"/>
+          </a:effectRef>
+          <a:fontRef idx="minor">
+            <a:schemeClr val="lt1"/>
+          </a:fontRef>
+        </p:style>
+        <p:txBody>
+          <a:bodyPr rtlCol="0" anchor="ctr"/>
+          <a:lstStyle/>
+          <a:p>
+            <a:pPr algn="ctr"/>
+            <a:endParaRPr lang="de-DE"/>
+          </a:p>
+        </p:txBody>
+      </p:sp>
+      <p:sp>
+        <p:nvSpPr>
+          <p:cNvPr id="38" name="Rectangle 37">
+            <a:extLst>
+              <a:ext uri="{FF2B5EF4-FFF2-40B4-BE49-F238E27FC236}">
+                <a16:creationId xmlns:a16="http://schemas.microsoft.com/office/drawing/2014/main" id="{32D66F4A-1E0E-0C4E-64C9-CE554A97766E}"/>
+              </a:ext>
+            </a:extLst>
+          </p:cNvPr>
+          <p:cNvSpPr/>
+          <p:nvPr/>
+        </p:nvSpPr>
+        <p:spPr>
+          <a:xfrm>
+            <a:off x="5202252" y="3041572"/>
+            <a:ext cx="3526082" cy="461665"/>
+          </a:xfrm>
+          <a:prstGeom prst="rect">
+            <a:avLst/>
+          </a:prstGeom>
+          <a:noFill/>
+        </p:spPr>
+        <p:style>
+          <a:lnRef idx="2">
+            <a:schemeClr val="accent1">
+              <a:shade val="15000"/>
+            </a:schemeClr>
+          </a:lnRef>
+          <a:fillRef idx="1">
+            <a:schemeClr val="accent1"/>
+          </a:fillRef>
+          <a:effectRef idx="0">
+            <a:schemeClr val="accent1"/>
+          </a:effectRef>
+          <a:fontRef idx="minor">
+            <a:schemeClr val="lt1"/>
+          </a:fontRef>
+        </p:style>
+        <p:txBody>
+          <a:bodyPr rtlCol="0" anchor="ctr"/>
+          <a:lstStyle/>
+          <a:p>
+            <a:pPr algn="ctr"/>
+            <a:endParaRPr lang="de-DE"/>
+          </a:p>
+        </p:txBody>
+      </p:sp>
+      <p:sp>
+        <p:nvSpPr>
+          <p:cNvPr id="39" name="Rectangle 38">
+            <a:extLst>
+              <a:ext uri="{FF2B5EF4-FFF2-40B4-BE49-F238E27FC236}">
+                <a16:creationId xmlns:a16="http://schemas.microsoft.com/office/drawing/2014/main" id="{6BD3D39A-A0E5-286A-D567-3E8DC8D591B5}"/>
+              </a:ext>
+            </a:extLst>
+          </p:cNvPr>
+          <p:cNvSpPr/>
+          <p:nvPr/>
+        </p:nvSpPr>
+        <p:spPr>
+          <a:xfrm>
+            <a:off x="5218298" y="2438037"/>
+            <a:ext cx="3526082" cy="461665"/>
+          </a:xfrm>
+          <a:prstGeom prst="rect">
+            <a:avLst/>
+          </a:prstGeom>
+          <a:noFill/>
+        </p:spPr>
+        <p:style>
+          <a:lnRef idx="2">
+            <a:schemeClr val="accent1">
+              <a:shade val="15000"/>
+            </a:schemeClr>
+          </a:lnRef>
+          <a:fillRef idx="1">
+            <a:schemeClr val="accent1"/>
+          </a:fillRef>
+          <a:effectRef idx="0">
+            <a:schemeClr val="accent1"/>
+          </a:effectRef>
+          <a:fontRef idx="minor">
+            <a:schemeClr val="lt1"/>
+          </a:fontRef>
+        </p:style>
+        <p:txBody>
+          <a:bodyPr rtlCol="0" anchor="ctr"/>
+          <a:lstStyle/>
+          <a:p>
+            <a:pPr algn="ctr"/>
+            <a:endParaRPr lang="de-DE"/>
+          </a:p>
+        </p:txBody>
+      </p:sp>
+      <p:sp>
+        <p:nvSpPr>
+          <p:cNvPr id="40" name="TextBox 39">
+            <a:extLst>
+              <a:ext uri="{FF2B5EF4-FFF2-40B4-BE49-F238E27FC236}">
+                <a16:creationId xmlns:a16="http://schemas.microsoft.com/office/drawing/2014/main" id="{77E78DF7-A5C3-130D-BB47-6E54D274871E}"/>
+              </a:ext>
+            </a:extLst>
+          </p:cNvPr>
+          <p:cNvSpPr txBox="1"/>
+          <p:nvPr/>
+        </p:nvSpPr>
+        <p:spPr>
+          <a:xfrm>
+            <a:off x="5287668" y="2496411"/>
+            <a:ext cx="3259248" cy="369332"/>
+          </a:xfrm>
+          <a:prstGeom prst="rect">
+            <a:avLst/>
+          </a:prstGeom>
+          <a:noFill/>
+        </p:spPr>
+        <p:txBody>
+          <a:bodyPr wrap="square" rtlCol="0">
+            <a:spAutoFit/>
+          </a:bodyPr>
+          <a:lstStyle/>
+          <a:p>
+            <a:r>
+              <a:rPr lang="de-DE" dirty="0"/>
+              <a:t>Dropdown</a:t>
+            </a:r>
+          </a:p>
+        </p:txBody>
+      </p:sp>
+      <p:sp>
+        <p:nvSpPr>
+          <p:cNvPr id="41" name="TextBox 40">
+            <a:extLst>
+              <a:ext uri="{FF2B5EF4-FFF2-40B4-BE49-F238E27FC236}">
+                <a16:creationId xmlns:a16="http://schemas.microsoft.com/office/drawing/2014/main" id="{42D7C02B-320C-E358-8F5C-AF398FE988F5}"/>
+              </a:ext>
+            </a:extLst>
+          </p:cNvPr>
+          <p:cNvSpPr txBox="1"/>
+          <p:nvPr/>
+        </p:nvSpPr>
+        <p:spPr>
+          <a:xfrm>
+            <a:off x="5267708" y="3082351"/>
+            <a:ext cx="3259248" cy="369332"/>
+          </a:xfrm>
+          <a:prstGeom prst="rect">
+            <a:avLst/>
+          </a:prstGeom>
+          <a:noFill/>
+        </p:spPr>
+        <p:txBody>
+          <a:bodyPr wrap="square" rtlCol="0">
+            <a:spAutoFit/>
+          </a:bodyPr>
+          <a:lstStyle/>
+          <a:p>
+            <a:r>
+              <a:rPr lang="de-DE" dirty="0"/>
+              <a:t>INT Input</a:t>
+            </a:r>
+          </a:p>
+        </p:txBody>
+      </p:sp>
+      <p:sp>
+        <p:nvSpPr>
+          <p:cNvPr id="42" name="TextBox 41">
+            <a:extLst>
+              <a:ext uri="{FF2B5EF4-FFF2-40B4-BE49-F238E27FC236}">
+                <a16:creationId xmlns:a16="http://schemas.microsoft.com/office/drawing/2014/main" id="{A3E3DCC1-1849-FBC4-3CEB-5DEDF0C92E75}"/>
+              </a:ext>
+            </a:extLst>
+          </p:cNvPr>
+          <p:cNvSpPr txBox="1"/>
+          <p:nvPr/>
+        </p:nvSpPr>
+        <p:spPr>
+          <a:xfrm>
+            <a:off x="5271622" y="3684759"/>
+            <a:ext cx="3259248" cy="369332"/>
+          </a:xfrm>
+          <a:prstGeom prst="rect">
+            <a:avLst/>
+          </a:prstGeom>
+          <a:noFill/>
+        </p:spPr>
+        <p:txBody>
+          <a:bodyPr wrap="square" rtlCol="0">
+            <a:spAutoFit/>
+          </a:bodyPr>
+          <a:lstStyle/>
+          <a:p>
+            <a:r>
+              <a:rPr lang="de-DE" dirty="0"/>
+              <a:t>DATE Input</a:t>
+            </a:r>
+          </a:p>
+        </p:txBody>
+      </p:sp>
+      <p:sp>
+        <p:nvSpPr>
+          <p:cNvPr id="43" name="TextBox 42">
+            <a:extLst>
+              <a:ext uri="{FF2B5EF4-FFF2-40B4-BE49-F238E27FC236}">
+                <a16:creationId xmlns:a16="http://schemas.microsoft.com/office/drawing/2014/main" id="{C5A9C709-1154-422A-6E76-ED36A13B250F}"/>
+              </a:ext>
+            </a:extLst>
+          </p:cNvPr>
+          <p:cNvSpPr txBox="1"/>
+          <p:nvPr/>
+        </p:nvSpPr>
+        <p:spPr>
+          <a:xfrm>
+            <a:off x="5288750" y="4283818"/>
+            <a:ext cx="3259248" cy="369332"/>
+          </a:xfrm>
+          <a:prstGeom prst="rect">
+            <a:avLst/>
+          </a:prstGeom>
+          <a:noFill/>
+        </p:spPr>
+        <p:txBody>
+          <a:bodyPr wrap="square" rtlCol="0">
+            <a:spAutoFit/>
+          </a:bodyPr>
+          <a:lstStyle/>
+          <a:p>
+            <a:r>
+              <a:rPr lang="de-DE" dirty="0"/>
+              <a:t>Dropdown</a:t>
+            </a:r>
+          </a:p>
+        </p:txBody>
+      </p:sp>
+      <p:sp>
+        <p:nvSpPr>
+          <p:cNvPr id="44" name="TextBox 43">
+            <a:extLst>
+              <a:ext uri="{FF2B5EF4-FFF2-40B4-BE49-F238E27FC236}">
+                <a16:creationId xmlns:a16="http://schemas.microsoft.com/office/drawing/2014/main" id="{45FF3A62-3402-EBD2-B7CF-58FEE0772103}"/>
+              </a:ext>
+            </a:extLst>
+          </p:cNvPr>
+          <p:cNvSpPr txBox="1"/>
+          <p:nvPr/>
+        </p:nvSpPr>
+        <p:spPr>
+          <a:xfrm>
+            <a:off x="3253980" y="1887767"/>
+            <a:ext cx="924807" cy="400110"/>
+          </a:xfrm>
+          <a:prstGeom prst="rect">
+            <a:avLst/>
+          </a:prstGeom>
+          <a:noFill/>
+        </p:spPr>
+        <p:txBody>
+          <a:bodyPr wrap="square" rtlCol="0">
+            <a:spAutoFit/>
+          </a:bodyPr>
+          <a:lstStyle/>
+          <a:p>
+            <a:pPr algn="ctr"/>
+            <a:r>
+              <a:rPr lang="de-DE" sz="2000" dirty="0"/>
+              <a:t>Name:</a:t>
+            </a:r>
+          </a:p>
+        </p:txBody>
+      </p:sp>
+      <p:sp>
+        <p:nvSpPr>
+          <p:cNvPr id="45" name="Rectangle 44">
+            <a:extLst>
+              <a:ext uri="{FF2B5EF4-FFF2-40B4-BE49-F238E27FC236}">
+                <a16:creationId xmlns:a16="http://schemas.microsoft.com/office/drawing/2014/main" id="{36BD1B10-2F0F-58E4-3ADB-5B3166729AA9}"/>
+              </a:ext>
+            </a:extLst>
+          </p:cNvPr>
+          <p:cNvSpPr/>
+          <p:nvPr/>
+        </p:nvSpPr>
+        <p:spPr>
+          <a:xfrm>
+            <a:off x="5218298" y="1876216"/>
+            <a:ext cx="3526082" cy="461665"/>
+          </a:xfrm>
+          <a:prstGeom prst="rect">
+            <a:avLst/>
+          </a:prstGeom>
+          <a:noFill/>
+        </p:spPr>
+        <p:style>
+          <a:lnRef idx="2">
+            <a:schemeClr val="accent1">
+              <a:shade val="15000"/>
+            </a:schemeClr>
+          </a:lnRef>
+          <a:fillRef idx="1">
+            <a:schemeClr val="accent1"/>
+          </a:fillRef>
+          <a:effectRef idx="0">
+            <a:schemeClr val="accent1"/>
+          </a:effectRef>
+          <a:fontRef idx="minor">
+            <a:schemeClr val="lt1"/>
+          </a:fontRef>
+        </p:style>
+        <p:txBody>
+          <a:bodyPr rtlCol="0" anchor="ctr"/>
+          <a:lstStyle/>
+          <a:p>
+            <a:pPr algn="ctr"/>
+            <a:endParaRPr lang="de-DE"/>
+          </a:p>
+        </p:txBody>
+      </p:sp>
+      <p:sp>
+        <p:nvSpPr>
+          <p:cNvPr id="46" name="TextBox 45">
+            <a:extLst>
+              <a:ext uri="{FF2B5EF4-FFF2-40B4-BE49-F238E27FC236}">
+                <a16:creationId xmlns:a16="http://schemas.microsoft.com/office/drawing/2014/main" id="{699CB6C3-D722-AC73-946B-636B9E1C9328}"/>
+              </a:ext>
+            </a:extLst>
+          </p:cNvPr>
+          <p:cNvSpPr txBox="1"/>
+          <p:nvPr/>
+        </p:nvSpPr>
+        <p:spPr>
+          <a:xfrm>
+            <a:off x="5287668" y="1934590"/>
+            <a:ext cx="3259248" cy="369332"/>
+          </a:xfrm>
+          <a:prstGeom prst="rect">
+            <a:avLst/>
+          </a:prstGeom>
+          <a:noFill/>
+        </p:spPr>
+        <p:txBody>
+          <a:bodyPr wrap="square" rtlCol="0">
+            <a:spAutoFit/>
+          </a:bodyPr>
+          <a:lstStyle/>
+          <a:p>
+            <a:r>
+              <a:rPr lang="de-DE" dirty="0"/>
+              <a:t>Text Input</a:t>
+            </a:r>
+          </a:p>
+        </p:txBody>
+      </p:sp>
+    </p:spTree>
+    <p:extLst>
+      <p:ext uri="{BB962C8B-B14F-4D97-AF65-F5344CB8AC3E}">
+        <p14:creationId xmlns:p14="http://schemas.microsoft.com/office/powerpoint/2010/main" val="3530766797"/>
+      </p:ext>
+    </p:extLst>
+  </p:cSld>
+  <p:clrMapOvr>
+    <a:masterClrMapping/>
+  </p:clrMapOvr>
+</p:sld>
+</file>
+
+<file path=ppt/slides/slide6.xml><?xml version="1.0" encoding="utf-8"?>
+<p:sld xmlns:a="http://schemas.openxmlformats.org/drawingml/2006/main" xmlns:r="http://schemas.openxmlformats.org/officeDocument/2006/relationships" xmlns:p="http://schemas.openxmlformats.org/presentationml/2006/main">
+  <p:cSld>
+    <p:spTree>
+      <p:nvGrpSpPr>
+        <p:cNvPr id="1" name="">
+          <a:extLst>
+            <a:ext uri="{FF2B5EF4-FFF2-40B4-BE49-F238E27FC236}">
+              <a16:creationId xmlns:a16="http://schemas.microsoft.com/office/drawing/2014/main" id="{774DE050-CAD3-4AD3-F509-4D5B9A0DEE9D}"/>
+            </a:ext>
+          </a:extLst>
+        </p:cNvPr>
+        <p:cNvGrpSpPr/>
+        <p:nvPr/>
+      </p:nvGrpSpPr>
+      <p:grpSpPr>
+        <a:xfrm>
+          <a:off x="0" y="0"/>
+          <a:ext cx="0" cy="0"/>
+          <a:chOff x="0" y="0"/>
+          <a:chExt cx="0" cy="0"/>
+        </a:xfrm>
+      </p:grpSpPr>
+      <p:sp>
+        <p:nvSpPr>
+          <p:cNvPr id="4" name="Rectangle 3">
+            <a:extLst>
+              <a:ext uri="{FF2B5EF4-FFF2-40B4-BE49-F238E27FC236}">
+                <a16:creationId xmlns:a16="http://schemas.microsoft.com/office/drawing/2014/main" id="{82624992-0081-95C3-1FFA-D71BAF28ADA4}"/>
+              </a:ext>
+            </a:extLst>
+          </p:cNvPr>
+          <p:cNvSpPr/>
+          <p:nvPr/>
+        </p:nvSpPr>
+        <p:spPr>
+          <a:xfrm>
+            <a:off x="2145670" y="1165303"/>
+            <a:ext cx="7586805" cy="4527393"/>
+          </a:xfrm>
+          <a:prstGeom prst="rect">
+            <a:avLst/>
+          </a:prstGeom>
+          <a:noFill/>
+        </p:spPr>
+        <p:style>
+          <a:lnRef idx="2">
+            <a:schemeClr val="accent1">
+              <a:shade val="15000"/>
+            </a:schemeClr>
+          </a:lnRef>
+          <a:fillRef idx="1">
+            <a:schemeClr val="accent1"/>
+          </a:fillRef>
+          <a:effectRef idx="0">
+            <a:schemeClr val="accent1"/>
+          </a:effectRef>
+          <a:fontRef idx="minor">
+            <a:schemeClr val="lt1"/>
+          </a:fontRef>
+        </p:style>
+        <p:txBody>
+          <a:bodyPr rtlCol="0" anchor="ctr"/>
+          <a:lstStyle/>
+          <a:p>
+            <a:pPr algn="ctr"/>
+            <a:endParaRPr lang="de-DE"/>
+          </a:p>
+        </p:txBody>
+      </p:sp>
+      <p:sp>
+        <p:nvSpPr>
+          <p:cNvPr id="21" name="Rectangle 20">
+            <a:extLst>
+              <a:ext uri="{FF2B5EF4-FFF2-40B4-BE49-F238E27FC236}">
+                <a16:creationId xmlns:a16="http://schemas.microsoft.com/office/drawing/2014/main" id="{14233343-A39E-27A9-7B69-13525A04CD0F}"/>
+              </a:ext>
+            </a:extLst>
+          </p:cNvPr>
+          <p:cNvSpPr/>
+          <p:nvPr/>
+        </p:nvSpPr>
+        <p:spPr>
+          <a:xfrm>
+            <a:off x="2591292" y="4892365"/>
+            <a:ext cx="3174990" cy="595923"/>
+          </a:xfrm>
+          <a:prstGeom prst="rect">
+            <a:avLst/>
+          </a:prstGeom>
+          <a:noFill/>
+        </p:spPr>
+        <p:style>
+          <a:lnRef idx="2">
+            <a:schemeClr val="accent1">
+              <a:shade val="15000"/>
+            </a:schemeClr>
+          </a:lnRef>
+          <a:fillRef idx="1">
+            <a:schemeClr val="accent1"/>
+          </a:fillRef>
+          <a:effectRef idx="0">
+            <a:schemeClr val="accent1"/>
+          </a:effectRef>
+          <a:fontRef idx="minor">
+            <a:schemeClr val="lt1"/>
+          </a:fontRef>
+        </p:style>
+        <p:txBody>
+          <a:bodyPr rtlCol="0" anchor="ctr"/>
+          <a:lstStyle/>
+          <a:p>
+            <a:pPr algn="ctr"/>
+            <a:endParaRPr lang="de-DE"/>
+          </a:p>
+        </p:txBody>
+      </p:sp>
+      <p:sp>
+        <p:nvSpPr>
+          <p:cNvPr id="34" name="TextBox 33">
+            <a:extLst>
+              <a:ext uri="{FF2B5EF4-FFF2-40B4-BE49-F238E27FC236}">
+                <a16:creationId xmlns:a16="http://schemas.microsoft.com/office/drawing/2014/main" id="{ED2F7BD9-286E-2282-4CE9-1F8495D160C6}"/>
+              </a:ext>
+            </a:extLst>
+          </p:cNvPr>
+          <p:cNvSpPr txBox="1"/>
+          <p:nvPr/>
+        </p:nvSpPr>
+        <p:spPr>
+          <a:xfrm>
+            <a:off x="2591292" y="4956888"/>
+            <a:ext cx="3174990" cy="461665"/>
+          </a:xfrm>
+          <a:prstGeom prst="rect">
+            <a:avLst/>
+          </a:prstGeom>
+          <a:noFill/>
+        </p:spPr>
+        <p:txBody>
+          <a:bodyPr wrap="square" rtlCol="0">
+            <a:spAutoFit/>
+          </a:bodyPr>
+          <a:lstStyle/>
+          <a:p>
+            <a:pPr algn="ctr"/>
+            <a:r>
+              <a:rPr lang="de-DE" sz="2400" dirty="0"/>
+              <a:t>Eintrag ändern</a:t>
+            </a:r>
+          </a:p>
+        </p:txBody>
+      </p:sp>
+      <p:sp>
+        <p:nvSpPr>
+          <p:cNvPr id="2" name="Rectangle 1">
+            <a:extLst>
+              <a:ext uri="{FF2B5EF4-FFF2-40B4-BE49-F238E27FC236}">
+                <a16:creationId xmlns:a16="http://schemas.microsoft.com/office/drawing/2014/main" id="{7B1E8F38-30B7-E0BA-6AB7-FEAACF1B2A81}"/>
+              </a:ext>
+            </a:extLst>
+          </p:cNvPr>
+          <p:cNvSpPr/>
+          <p:nvPr/>
+        </p:nvSpPr>
+        <p:spPr>
+          <a:xfrm>
+            <a:off x="6211904" y="4892365"/>
+            <a:ext cx="3174990" cy="595923"/>
+          </a:xfrm>
+          <a:prstGeom prst="rect">
+            <a:avLst/>
+          </a:prstGeom>
+          <a:noFill/>
+        </p:spPr>
+        <p:style>
+          <a:lnRef idx="2">
+            <a:schemeClr val="accent1">
+              <a:shade val="15000"/>
+            </a:schemeClr>
+          </a:lnRef>
+          <a:fillRef idx="1">
+            <a:schemeClr val="accent1"/>
+          </a:fillRef>
+          <a:effectRef idx="0">
+            <a:schemeClr val="accent1"/>
+          </a:effectRef>
+          <a:fontRef idx="minor">
+            <a:schemeClr val="lt1"/>
+          </a:fontRef>
+        </p:style>
+        <p:txBody>
+          <a:bodyPr rtlCol="0" anchor="ctr"/>
+          <a:lstStyle/>
+          <a:p>
+            <a:pPr algn="ctr"/>
+            <a:endParaRPr lang="de-DE"/>
+          </a:p>
+        </p:txBody>
+      </p:sp>
+      <p:sp>
+        <p:nvSpPr>
+          <p:cNvPr id="3" name="TextBox 2">
+            <a:extLst>
+              <a:ext uri="{FF2B5EF4-FFF2-40B4-BE49-F238E27FC236}">
+                <a16:creationId xmlns:a16="http://schemas.microsoft.com/office/drawing/2014/main" id="{7966E3CD-76CC-B085-D656-0697F20857D1}"/>
+              </a:ext>
+            </a:extLst>
+          </p:cNvPr>
+          <p:cNvSpPr txBox="1"/>
+          <p:nvPr/>
+        </p:nvSpPr>
+        <p:spPr>
+          <a:xfrm>
+            <a:off x="6211904" y="4956888"/>
+            <a:ext cx="3174990" cy="461665"/>
+          </a:xfrm>
+          <a:prstGeom prst="rect">
+            <a:avLst/>
+          </a:prstGeom>
+          <a:noFill/>
+        </p:spPr>
+        <p:txBody>
+          <a:bodyPr wrap="square" rtlCol="0">
+            <a:spAutoFit/>
+          </a:bodyPr>
+          <a:lstStyle/>
+          <a:p>
+            <a:pPr algn="ctr"/>
+            <a:r>
+              <a:rPr lang="de-DE" sz="2400" dirty="0"/>
+              <a:t>Abbrechen</a:t>
+            </a:r>
+          </a:p>
+        </p:txBody>
+      </p:sp>
+      <p:sp>
+        <p:nvSpPr>
+          <p:cNvPr id="9" name="TextBox 8">
+            <a:extLst>
+              <a:ext uri="{FF2B5EF4-FFF2-40B4-BE49-F238E27FC236}">
+                <a16:creationId xmlns:a16="http://schemas.microsoft.com/office/drawing/2014/main" id="{1C18D66C-0CB5-18A1-CF3E-ACF5FCF4AD83}"/>
+              </a:ext>
+            </a:extLst>
+          </p:cNvPr>
+          <p:cNvSpPr txBox="1"/>
+          <p:nvPr/>
+        </p:nvSpPr>
+        <p:spPr>
+          <a:xfrm>
+            <a:off x="2145670" y="1238712"/>
+            <a:ext cx="7586804" cy="584775"/>
+          </a:xfrm>
+          <a:prstGeom prst="rect">
+            <a:avLst/>
+          </a:prstGeom>
+          <a:noFill/>
+        </p:spPr>
+        <p:txBody>
+          <a:bodyPr wrap="square" rtlCol="0">
+            <a:spAutoFit/>
+          </a:bodyPr>
+          <a:lstStyle/>
+          <a:p>
+            <a:pPr algn="ctr"/>
+            <a:r>
+              <a:rPr lang="de-DE" sz="3200" dirty="0"/>
+              <a:t>Eintrag anpassen</a:t>
+            </a:r>
+          </a:p>
+        </p:txBody>
+      </p:sp>
+      <p:sp>
+        <p:nvSpPr>
+          <p:cNvPr id="10" name="Rectangle 9">
+            <a:extLst>
+              <a:ext uri="{FF2B5EF4-FFF2-40B4-BE49-F238E27FC236}">
+                <a16:creationId xmlns:a16="http://schemas.microsoft.com/office/drawing/2014/main" id="{996B999B-279E-7E2D-1CD8-CF6A4A23F28B}"/>
+              </a:ext>
+            </a:extLst>
+          </p:cNvPr>
+          <p:cNvSpPr/>
+          <p:nvPr/>
+        </p:nvSpPr>
+        <p:spPr>
+          <a:xfrm>
+            <a:off x="3462852" y="4342548"/>
+            <a:ext cx="3526082" cy="461665"/>
+          </a:xfrm>
+          <a:prstGeom prst="rect">
+            <a:avLst/>
+          </a:prstGeom>
+          <a:noFill/>
+        </p:spPr>
+        <p:style>
+          <a:lnRef idx="2">
+            <a:schemeClr val="accent1">
+              <a:shade val="15000"/>
+            </a:schemeClr>
+          </a:lnRef>
+          <a:fillRef idx="1">
+            <a:schemeClr val="accent1"/>
+          </a:fillRef>
+          <a:effectRef idx="0">
+            <a:schemeClr val="accent1"/>
+          </a:effectRef>
+          <a:fontRef idx="minor">
+            <a:schemeClr val="lt1"/>
+          </a:fontRef>
+        </p:style>
+        <p:txBody>
+          <a:bodyPr rtlCol="0" anchor="ctr"/>
+          <a:lstStyle/>
+          <a:p>
+            <a:pPr algn="ctr"/>
+            <a:endParaRPr lang="de-DE"/>
+          </a:p>
+        </p:txBody>
+      </p:sp>
+      <p:sp>
+        <p:nvSpPr>
+          <p:cNvPr id="11" name="TextBox 10">
+            <a:extLst>
+              <a:ext uri="{FF2B5EF4-FFF2-40B4-BE49-F238E27FC236}">
+                <a16:creationId xmlns:a16="http://schemas.microsoft.com/office/drawing/2014/main" id="{3D097FD7-4FC7-1924-4C0C-C525E8FCC75B}"/>
+              </a:ext>
+            </a:extLst>
+          </p:cNvPr>
+          <p:cNvSpPr txBox="1"/>
+          <p:nvPr/>
+        </p:nvSpPr>
+        <p:spPr>
+          <a:xfrm>
+            <a:off x="2414548" y="2051020"/>
+            <a:ext cx="924807" cy="400110"/>
+          </a:xfrm>
+          <a:prstGeom prst="rect">
+            <a:avLst/>
+          </a:prstGeom>
+          <a:noFill/>
+        </p:spPr>
+        <p:txBody>
+          <a:bodyPr wrap="square" rtlCol="0">
+            <a:spAutoFit/>
+          </a:bodyPr>
+          <a:lstStyle/>
+          <a:p>
+            <a:pPr algn="ctr"/>
+            <a:r>
+              <a:rPr lang="de-DE" sz="2000" dirty="0"/>
+              <a:t>Name:</a:t>
+            </a:r>
+          </a:p>
+        </p:txBody>
+      </p:sp>
+      <p:sp>
+        <p:nvSpPr>
+          <p:cNvPr id="13" name="TextBox 12">
+            <a:extLst>
+              <a:ext uri="{FF2B5EF4-FFF2-40B4-BE49-F238E27FC236}">
+                <a16:creationId xmlns:a16="http://schemas.microsoft.com/office/drawing/2014/main" id="{6B36D424-821A-0A26-CE1E-2E6E0B5C130A}"/>
+              </a:ext>
+            </a:extLst>
+          </p:cNvPr>
+          <p:cNvSpPr txBox="1"/>
+          <p:nvPr/>
+        </p:nvSpPr>
+        <p:spPr>
+          <a:xfrm>
+            <a:off x="2499051" y="3177584"/>
+            <a:ext cx="841599" cy="400110"/>
+          </a:xfrm>
+          <a:prstGeom prst="rect">
+            <a:avLst/>
+          </a:prstGeom>
+          <a:noFill/>
+        </p:spPr>
+        <p:txBody>
+          <a:bodyPr wrap="square" rtlCol="0">
+            <a:spAutoFit/>
+          </a:bodyPr>
+          <a:lstStyle/>
+          <a:p>
+            <a:pPr algn="ctr"/>
+            <a:r>
+              <a:rPr lang="de-DE" sz="2000" dirty="0"/>
+              <a:t>Wert:</a:t>
+            </a:r>
+          </a:p>
+        </p:txBody>
+      </p:sp>
+      <p:sp>
+        <p:nvSpPr>
+          <p:cNvPr id="14" name="TextBox 13">
+            <a:extLst>
+              <a:ext uri="{FF2B5EF4-FFF2-40B4-BE49-F238E27FC236}">
+                <a16:creationId xmlns:a16="http://schemas.microsoft.com/office/drawing/2014/main" id="{37CF894C-5D1F-F23C-00A2-14C5E9F60BE2}"/>
+              </a:ext>
+            </a:extLst>
+          </p:cNvPr>
+          <p:cNvSpPr txBox="1"/>
+          <p:nvPr/>
+        </p:nvSpPr>
+        <p:spPr>
+          <a:xfrm>
+            <a:off x="2328736" y="3745939"/>
+            <a:ext cx="1010619" cy="400110"/>
+          </a:xfrm>
+          <a:prstGeom prst="rect">
+            <a:avLst/>
+          </a:prstGeom>
+          <a:noFill/>
+        </p:spPr>
+        <p:txBody>
+          <a:bodyPr wrap="square" rtlCol="0">
+            <a:spAutoFit/>
+          </a:bodyPr>
+          <a:lstStyle/>
+          <a:p>
+            <a:pPr algn="ctr"/>
+            <a:r>
+              <a:rPr lang="de-DE" sz="2000" dirty="0"/>
+              <a:t>Datum:</a:t>
+            </a:r>
+          </a:p>
+        </p:txBody>
+      </p:sp>
+      <p:sp>
+        <p:nvSpPr>
+          <p:cNvPr id="15" name="TextBox 14">
+            <a:extLst>
+              <a:ext uri="{FF2B5EF4-FFF2-40B4-BE49-F238E27FC236}">
+                <a16:creationId xmlns:a16="http://schemas.microsoft.com/office/drawing/2014/main" id="{9E76F676-D957-BFB0-B968-014EB4CA9E6B}"/>
+              </a:ext>
+            </a:extLst>
+          </p:cNvPr>
+          <p:cNvSpPr txBox="1"/>
+          <p:nvPr/>
+        </p:nvSpPr>
+        <p:spPr>
+          <a:xfrm>
+            <a:off x="2259160" y="4327458"/>
+            <a:ext cx="1095469" cy="400110"/>
+          </a:xfrm>
+          <a:prstGeom prst="rect">
+            <a:avLst/>
+          </a:prstGeom>
+          <a:noFill/>
+        </p:spPr>
+        <p:txBody>
+          <a:bodyPr wrap="square" rtlCol="0">
+            <a:spAutoFit/>
+          </a:bodyPr>
+          <a:lstStyle/>
+          <a:p>
+            <a:pPr algn="ctr"/>
+            <a:r>
+              <a:rPr lang="de-DE" sz="2000" dirty="0"/>
+              <a:t>Bereich:</a:t>
+            </a:r>
+          </a:p>
+        </p:txBody>
+      </p:sp>
+      <p:sp>
+        <p:nvSpPr>
+          <p:cNvPr id="16" name="Rectangle 15">
+            <a:extLst>
+              <a:ext uri="{FF2B5EF4-FFF2-40B4-BE49-F238E27FC236}">
+                <a16:creationId xmlns:a16="http://schemas.microsoft.com/office/drawing/2014/main" id="{6E82788D-AF98-7C85-A2DF-CCC2B3D2EC93}"/>
+              </a:ext>
+            </a:extLst>
+          </p:cNvPr>
+          <p:cNvSpPr/>
+          <p:nvPr/>
+        </p:nvSpPr>
+        <p:spPr>
+          <a:xfrm>
+            <a:off x="3452901" y="3745939"/>
+            <a:ext cx="3526082" cy="461665"/>
+          </a:xfrm>
+          <a:prstGeom prst="rect">
+            <a:avLst/>
+          </a:prstGeom>
+          <a:noFill/>
+        </p:spPr>
+        <p:style>
+          <a:lnRef idx="2">
+            <a:schemeClr val="accent1">
+              <a:shade val="15000"/>
+            </a:schemeClr>
+          </a:lnRef>
+          <a:fillRef idx="1">
+            <a:schemeClr val="accent1"/>
+          </a:fillRef>
+          <a:effectRef idx="0">
+            <a:schemeClr val="accent1"/>
+          </a:effectRef>
+          <a:fontRef idx="minor">
+            <a:schemeClr val="lt1"/>
+          </a:fontRef>
+        </p:style>
+        <p:txBody>
+          <a:bodyPr rtlCol="0" anchor="ctr"/>
+          <a:lstStyle/>
+          <a:p>
+            <a:pPr algn="ctr"/>
+            <a:endParaRPr lang="de-DE"/>
+          </a:p>
+        </p:txBody>
+      </p:sp>
+      <p:sp>
+        <p:nvSpPr>
+          <p:cNvPr id="17" name="Rectangle 16">
+            <a:extLst>
+              <a:ext uri="{FF2B5EF4-FFF2-40B4-BE49-F238E27FC236}">
+                <a16:creationId xmlns:a16="http://schemas.microsoft.com/office/drawing/2014/main" id="{A590C9E3-C819-4A68-4389-E27F34C85F87}"/>
+              </a:ext>
+            </a:extLst>
+          </p:cNvPr>
+          <p:cNvSpPr/>
+          <p:nvPr/>
+        </p:nvSpPr>
+        <p:spPr>
+          <a:xfrm>
+            <a:off x="3452787" y="3164023"/>
+            <a:ext cx="3526082" cy="461665"/>
+          </a:xfrm>
+          <a:prstGeom prst="rect">
+            <a:avLst/>
+          </a:prstGeom>
+          <a:noFill/>
+        </p:spPr>
+        <p:style>
+          <a:lnRef idx="2">
+            <a:schemeClr val="accent1">
+              <a:shade val="15000"/>
+            </a:schemeClr>
+          </a:lnRef>
+          <a:fillRef idx="1">
+            <a:schemeClr val="accent1"/>
+          </a:fillRef>
+          <a:effectRef idx="0">
+            <a:schemeClr val="accent1"/>
+          </a:effectRef>
+          <a:fontRef idx="minor">
+            <a:schemeClr val="lt1"/>
+          </a:fontRef>
+        </p:style>
+        <p:txBody>
+          <a:bodyPr rtlCol="0" anchor="ctr"/>
+          <a:lstStyle/>
+          <a:p>
+            <a:pPr algn="ctr"/>
+            <a:endParaRPr lang="de-DE"/>
+          </a:p>
+        </p:txBody>
+      </p:sp>
+      <p:sp>
+        <p:nvSpPr>
+          <p:cNvPr id="18" name="Rectangle 17">
+            <a:extLst>
+              <a:ext uri="{FF2B5EF4-FFF2-40B4-BE49-F238E27FC236}">
+                <a16:creationId xmlns:a16="http://schemas.microsoft.com/office/drawing/2014/main" id="{73B98766-13F6-0F63-A630-4F0BC8139760}"/>
+              </a:ext>
+            </a:extLst>
+          </p:cNvPr>
+          <p:cNvSpPr/>
+          <p:nvPr/>
+        </p:nvSpPr>
+        <p:spPr>
+          <a:xfrm>
+            <a:off x="3447578" y="2028721"/>
+            <a:ext cx="3526082" cy="461665"/>
+          </a:xfrm>
+          <a:prstGeom prst="rect">
+            <a:avLst/>
+          </a:prstGeom>
+          <a:noFill/>
+        </p:spPr>
+        <p:style>
+          <a:lnRef idx="2">
+            <a:schemeClr val="accent1">
+              <a:shade val="15000"/>
+            </a:schemeClr>
+          </a:lnRef>
+          <a:fillRef idx="1">
+            <a:schemeClr val="accent1"/>
+          </a:fillRef>
+          <a:effectRef idx="0">
+            <a:schemeClr val="accent1"/>
+          </a:effectRef>
+          <a:fontRef idx="minor">
+            <a:schemeClr val="lt1"/>
+          </a:fontRef>
+        </p:style>
+        <p:txBody>
+          <a:bodyPr rtlCol="0" anchor="ctr"/>
+          <a:lstStyle/>
+          <a:p>
+            <a:pPr algn="ctr"/>
+            <a:endParaRPr lang="de-DE"/>
+          </a:p>
+        </p:txBody>
+      </p:sp>
+      <p:sp>
+        <p:nvSpPr>
+          <p:cNvPr id="19" name="TextBox 18">
+            <a:extLst>
+              <a:ext uri="{FF2B5EF4-FFF2-40B4-BE49-F238E27FC236}">
+                <a16:creationId xmlns:a16="http://schemas.microsoft.com/office/drawing/2014/main" id="{440B0767-5E02-0A10-FEC1-DD4687065796}"/>
+              </a:ext>
+            </a:extLst>
+          </p:cNvPr>
+          <p:cNvSpPr txBox="1"/>
+          <p:nvPr/>
+        </p:nvSpPr>
+        <p:spPr>
+          <a:xfrm>
+            <a:off x="3516948" y="2087095"/>
+            <a:ext cx="3259248" cy="369332"/>
+          </a:xfrm>
+          <a:prstGeom prst="rect">
+            <a:avLst/>
+          </a:prstGeom>
+          <a:noFill/>
+        </p:spPr>
+        <p:txBody>
+          <a:bodyPr wrap="square" rtlCol="0">
+            <a:spAutoFit/>
+          </a:bodyPr>
+          <a:lstStyle/>
+          <a:p>
+            <a:r>
+              <a:rPr lang="de-DE" dirty="0"/>
+              <a:t>Text Input</a:t>
+            </a:r>
+          </a:p>
+        </p:txBody>
+      </p:sp>
+      <p:sp>
+        <p:nvSpPr>
+          <p:cNvPr id="22" name="TextBox 21">
+            <a:extLst>
+              <a:ext uri="{FF2B5EF4-FFF2-40B4-BE49-F238E27FC236}">
+                <a16:creationId xmlns:a16="http://schemas.microsoft.com/office/drawing/2014/main" id="{48B2E072-857C-774E-7D34-828771BEB3B6}"/>
+              </a:ext>
+            </a:extLst>
+          </p:cNvPr>
+          <p:cNvSpPr txBox="1"/>
+          <p:nvPr/>
+        </p:nvSpPr>
+        <p:spPr>
+          <a:xfrm>
+            <a:off x="3518243" y="3204802"/>
+            <a:ext cx="3259248" cy="369332"/>
+          </a:xfrm>
+          <a:prstGeom prst="rect">
+            <a:avLst/>
+          </a:prstGeom>
+          <a:noFill/>
+        </p:spPr>
+        <p:txBody>
+          <a:bodyPr wrap="square" rtlCol="0">
+            <a:spAutoFit/>
+          </a:bodyPr>
+          <a:lstStyle/>
+          <a:p>
+            <a:r>
+              <a:rPr lang="de-DE" dirty="0"/>
+              <a:t>INT Input</a:t>
+            </a:r>
+          </a:p>
+        </p:txBody>
+      </p:sp>
+      <p:sp>
+        <p:nvSpPr>
+          <p:cNvPr id="23" name="TextBox 22">
+            <a:extLst>
+              <a:ext uri="{FF2B5EF4-FFF2-40B4-BE49-F238E27FC236}">
+                <a16:creationId xmlns:a16="http://schemas.microsoft.com/office/drawing/2014/main" id="{2F264AF3-C6C1-2F18-A63D-DB39525D6199}"/>
+              </a:ext>
+            </a:extLst>
+          </p:cNvPr>
+          <p:cNvSpPr txBox="1"/>
+          <p:nvPr/>
+        </p:nvSpPr>
+        <p:spPr>
+          <a:xfrm>
+            <a:off x="3522271" y="3786100"/>
+            <a:ext cx="3259248" cy="369332"/>
+          </a:xfrm>
+          <a:prstGeom prst="rect">
+            <a:avLst/>
+          </a:prstGeom>
+          <a:noFill/>
+        </p:spPr>
+        <p:txBody>
+          <a:bodyPr wrap="square" rtlCol="0">
+            <a:spAutoFit/>
+          </a:bodyPr>
+          <a:lstStyle/>
+          <a:p>
+            <a:r>
+              <a:rPr lang="de-DE" dirty="0"/>
+              <a:t>DATE Input</a:t>
+            </a:r>
+          </a:p>
+        </p:txBody>
+      </p:sp>
+      <p:sp>
+        <p:nvSpPr>
+          <p:cNvPr id="24" name="TextBox 23">
+            <a:extLst>
+              <a:ext uri="{FF2B5EF4-FFF2-40B4-BE49-F238E27FC236}">
+                <a16:creationId xmlns:a16="http://schemas.microsoft.com/office/drawing/2014/main" id="{60D4DF7E-E45D-A0FD-2D45-35516A7F5FB2}"/>
+              </a:ext>
+            </a:extLst>
+          </p:cNvPr>
+          <p:cNvSpPr txBox="1"/>
+          <p:nvPr/>
+        </p:nvSpPr>
+        <p:spPr>
+          <a:xfrm>
+            <a:off x="3546839" y="4381708"/>
+            <a:ext cx="3259248" cy="369332"/>
+          </a:xfrm>
+          <a:prstGeom prst="rect">
+            <a:avLst/>
+          </a:prstGeom>
+          <a:noFill/>
+        </p:spPr>
+        <p:txBody>
+          <a:bodyPr wrap="square" rtlCol="0">
+            <a:spAutoFit/>
+          </a:bodyPr>
+          <a:lstStyle/>
+          <a:p>
+            <a:r>
+              <a:rPr lang="de-DE" dirty="0"/>
+              <a:t>Dropdown</a:t>
+            </a:r>
+          </a:p>
+        </p:txBody>
+      </p:sp>
+      <p:sp>
+        <p:nvSpPr>
+          <p:cNvPr id="25" name="TextBox 24">
+            <a:extLst>
+              <a:ext uri="{FF2B5EF4-FFF2-40B4-BE49-F238E27FC236}">
+                <a16:creationId xmlns:a16="http://schemas.microsoft.com/office/drawing/2014/main" id="{BCCF7824-F413-BCC5-03B4-B009276CBF73}"/>
+              </a:ext>
+            </a:extLst>
+          </p:cNvPr>
+          <p:cNvSpPr txBox="1"/>
+          <p:nvPr/>
+        </p:nvSpPr>
+        <p:spPr>
+          <a:xfrm>
+            <a:off x="7105776" y="1667455"/>
+            <a:ext cx="2483017" cy="400110"/>
+          </a:xfrm>
+          <a:prstGeom prst="rect">
+            <a:avLst/>
+          </a:prstGeom>
+          <a:noFill/>
+        </p:spPr>
+        <p:txBody>
+          <a:bodyPr wrap="square" rtlCol="0">
+            <a:spAutoFit/>
+          </a:bodyPr>
+          <a:lstStyle/>
+          <a:p>
+            <a:pPr algn="ctr"/>
+            <a:r>
+              <a:rPr lang="de-DE" sz="2000" dirty="0"/>
+              <a:t>Vorheriger Wert</a:t>
+            </a:r>
+          </a:p>
+        </p:txBody>
+      </p:sp>
+      <p:sp>
+        <p:nvSpPr>
+          <p:cNvPr id="26" name="TextBox 25">
+            <a:extLst>
+              <a:ext uri="{FF2B5EF4-FFF2-40B4-BE49-F238E27FC236}">
+                <a16:creationId xmlns:a16="http://schemas.microsoft.com/office/drawing/2014/main" id="{0176632B-E27A-7FFA-A0C2-6C5C418337B8}"/>
+              </a:ext>
+            </a:extLst>
+          </p:cNvPr>
+          <p:cNvSpPr txBox="1"/>
+          <p:nvPr/>
+        </p:nvSpPr>
+        <p:spPr>
+          <a:xfrm>
+            <a:off x="7089711" y="2074711"/>
+            <a:ext cx="2524134" cy="400110"/>
+          </a:xfrm>
+          <a:prstGeom prst="rect">
+            <a:avLst/>
+          </a:prstGeom>
+          <a:noFill/>
+        </p:spPr>
+        <p:txBody>
+          <a:bodyPr wrap="square" rtlCol="0">
+            <a:spAutoFit/>
+          </a:bodyPr>
+          <a:lstStyle/>
+          <a:p>
+            <a:pPr algn="ctr"/>
+            <a:r>
+              <a:rPr lang="de-DE" sz="2000" dirty="0"/>
+              <a:t>Einkaufskosten</a:t>
+            </a:r>
+          </a:p>
+        </p:txBody>
+      </p:sp>
+      <p:sp>
+        <p:nvSpPr>
+          <p:cNvPr id="27" name="TextBox 26">
+            <a:extLst>
+              <a:ext uri="{FF2B5EF4-FFF2-40B4-BE49-F238E27FC236}">
+                <a16:creationId xmlns:a16="http://schemas.microsoft.com/office/drawing/2014/main" id="{643C098E-C92C-67D7-7ED4-7807DFDC6ECC}"/>
+              </a:ext>
+            </a:extLst>
+          </p:cNvPr>
+          <p:cNvSpPr txBox="1"/>
+          <p:nvPr/>
+        </p:nvSpPr>
+        <p:spPr>
+          <a:xfrm>
+            <a:off x="7071764" y="3201332"/>
+            <a:ext cx="2524134" cy="400110"/>
+          </a:xfrm>
+          <a:prstGeom prst="rect">
+            <a:avLst/>
+          </a:prstGeom>
+          <a:noFill/>
+        </p:spPr>
+        <p:txBody>
+          <a:bodyPr wrap="square" rtlCol="0">
+            <a:spAutoFit/>
+          </a:bodyPr>
+          <a:lstStyle/>
+          <a:p>
+            <a:pPr algn="ctr"/>
+            <a:r>
+              <a:rPr lang="de-DE" sz="2000" dirty="0"/>
+              <a:t>110</a:t>
+            </a:r>
+          </a:p>
+        </p:txBody>
+      </p:sp>
+      <p:sp>
+        <p:nvSpPr>
+          <p:cNvPr id="28" name="TextBox 27">
+            <a:extLst>
+              <a:ext uri="{FF2B5EF4-FFF2-40B4-BE49-F238E27FC236}">
+                <a16:creationId xmlns:a16="http://schemas.microsoft.com/office/drawing/2014/main" id="{28ACC2E5-072C-BBCA-B30E-F47033D62AE8}"/>
+              </a:ext>
+            </a:extLst>
+          </p:cNvPr>
+          <p:cNvSpPr txBox="1"/>
+          <p:nvPr/>
+        </p:nvSpPr>
+        <p:spPr>
+          <a:xfrm>
+            <a:off x="7089711" y="3779521"/>
+            <a:ext cx="2524134" cy="400110"/>
+          </a:xfrm>
+          <a:prstGeom prst="rect">
+            <a:avLst/>
+          </a:prstGeom>
+          <a:noFill/>
+        </p:spPr>
+        <p:txBody>
+          <a:bodyPr wrap="square" rtlCol="0">
+            <a:spAutoFit/>
+          </a:bodyPr>
+          <a:lstStyle/>
+          <a:p>
+            <a:pPr algn="ctr"/>
+            <a:r>
+              <a:rPr lang="de-DE" sz="2000" dirty="0"/>
+              <a:t>12.12.2024</a:t>
+            </a:r>
+          </a:p>
+        </p:txBody>
+      </p:sp>
+      <p:sp>
+        <p:nvSpPr>
+          <p:cNvPr id="29" name="TextBox 28">
+            <a:extLst>
+              <a:ext uri="{FF2B5EF4-FFF2-40B4-BE49-F238E27FC236}">
+                <a16:creationId xmlns:a16="http://schemas.microsoft.com/office/drawing/2014/main" id="{315F7C0B-C165-EB7B-93BB-7B15D35D3BBD}"/>
+              </a:ext>
+            </a:extLst>
+          </p:cNvPr>
+          <p:cNvSpPr txBox="1"/>
+          <p:nvPr/>
+        </p:nvSpPr>
+        <p:spPr>
+          <a:xfrm>
+            <a:off x="7072920" y="4366319"/>
+            <a:ext cx="2524134" cy="400110"/>
+          </a:xfrm>
+          <a:prstGeom prst="rect">
+            <a:avLst/>
+          </a:prstGeom>
+          <a:noFill/>
+        </p:spPr>
+        <p:txBody>
+          <a:bodyPr wrap="square" rtlCol="0">
+            <a:spAutoFit/>
+          </a:bodyPr>
+          <a:lstStyle/>
+          <a:p>
+            <a:pPr algn="ctr"/>
+            <a:r>
+              <a:rPr lang="de-DE" sz="2000" dirty="0"/>
+              <a:t>Essen</a:t>
+            </a:r>
+          </a:p>
+        </p:txBody>
+      </p:sp>
+      <p:cxnSp>
+        <p:nvCxnSpPr>
+          <p:cNvPr id="30" name="Straight Connector 29">
+            <a:extLst>
+              <a:ext uri="{FF2B5EF4-FFF2-40B4-BE49-F238E27FC236}">
+                <a16:creationId xmlns:a16="http://schemas.microsoft.com/office/drawing/2014/main" id="{3EE72B34-A08F-8AE8-E864-3A8B59CEF9A2}"/>
+              </a:ext>
+            </a:extLst>
+          </p:cNvPr>
+          <p:cNvCxnSpPr/>
+          <p:nvPr/>
+        </p:nvCxnSpPr>
+        <p:spPr>
+          <a:xfrm>
+            <a:off x="7048594" y="2484557"/>
+            <a:ext cx="2524134" cy="0"/>
+          </a:xfrm>
+          <a:prstGeom prst="line">
+            <a:avLst/>
+          </a:prstGeom>
+        </p:spPr>
+        <p:style>
+          <a:lnRef idx="2">
+            <a:schemeClr val="dk1"/>
+          </a:lnRef>
+          <a:fillRef idx="0">
+            <a:schemeClr val="dk1"/>
+          </a:fillRef>
+          <a:effectRef idx="1">
+            <a:schemeClr val="dk1"/>
+          </a:effectRef>
+          <a:fontRef idx="minor">
+            <a:schemeClr val="tx1"/>
+          </a:fontRef>
+        </p:style>
+      </p:cxnSp>
+      <p:cxnSp>
+        <p:nvCxnSpPr>
+          <p:cNvPr id="31" name="Straight Connector 30">
+            <a:extLst>
+              <a:ext uri="{FF2B5EF4-FFF2-40B4-BE49-F238E27FC236}">
+                <a16:creationId xmlns:a16="http://schemas.microsoft.com/office/drawing/2014/main" id="{82729FCE-7FDA-1117-1D0F-3E3DFE0FDCB3}"/>
+              </a:ext>
+            </a:extLst>
+          </p:cNvPr>
+          <p:cNvCxnSpPr/>
+          <p:nvPr/>
+        </p:nvCxnSpPr>
+        <p:spPr>
+          <a:xfrm>
+            <a:off x="7048594" y="2028721"/>
+            <a:ext cx="2524134" cy="0"/>
+          </a:xfrm>
+          <a:prstGeom prst="line">
+            <a:avLst/>
+          </a:prstGeom>
+        </p:spPr>
+        <p:style>
+          <a:lnRef idx="2">
+            <a:schemeClr val="dk1"/>
+          </a:lnRef>
+          <a:fillRef idx="0">
+            <a:schemeClr val="dk1"/>
+          </a:fillRef>
+          <a:effectRef idx="1">
+            <a:schemeClr val="dk1"/>
+          </a:effectRef>
+          <a:fontRef idx="minor">
+            <a:schemeClr val="tx1"/>
+          </a:fontRef>
+        </p:style>
+      </p:cxnSp>
+      <p:cxnSp>
+        <p:nvCxnSpPr>
+          <p:cNvPr id="32" name="Straight Connector 31">
+            <a:extLst>
+              <a:ext uri="{FF2B5EF4-FFF2-40B4-BE49-F238E27FC236}">
+                <a16:creationId xmlns:a16="http://schemas.microsoft.com/office/drawing/2014/main" id="{B15511A2-56B0-C775-7F48-0727091792C4}"/>
+              </a:ext>
+            </a:extLst>
+          </p:cNvPr>
+          <p:cNvCxnSpPr/>
+          <p:nvPr/>
+        </p:nvCxnSpPr>
+        <p:spPr>
+          <a:xfrm>
+            <a:off x="7071764" y="3605189"/>
+            <a:ext cx="2524134" cy="0"/>
+          </a:xfrm>
+          <a:prstGeom prst="line">
+            <a:avLst/>
+          </a:prstGeom>
+        </p:spPr>
+        <p:style>
+          <a:lnRef idx="2">
+            <a:schemeClr val="dk1"/>
+          </a:lnRef>
+          <a:fillRef idx="0">
+            <a:schemeClr val="dk1"/>
+          </a:fillRef>
+          <a:effectRef idx="1">
+            <a:schemeClr val="dk1"/>
+          </a:effectRef>
+          <a:fontRef idx="minor">
+            <a:schemeClr val="tx1"/>
+          </a:fontRef>
+        </p:style>
+      </p:cxnSp>
+      <p:cxnSp>
+        <p:nvCxnSpPr>
+          <p:cNvPr id="33" name="Straight Connector 32">
+            <a:extLst>
+              <a:ext uri="{FF2B5EF4-FFF2-40B4-BE49-F238E27FC236}">
+                <a16:creationId xmlns:a16="http://schemas.microsoft.com/office/drawing/2014/main" id="{7EB53B2A-4641-565A-A166-B3F981CCF207}"/>
+              </a:ext>
+            </a:extLst>
+          </p:cNvPr>
+          <p:cNvCxnSpPr/>
+          <p:nvPr/>
+        </p:nvCxnSpPr>
+        <p:spPr>
+          <a:xfrm>
+            <a:off x="7089711" y="4201271"/>
+            <a:ext cx="2524134" cy="0"/>
+          </a:xfrm>
+          <a:prstGeom prst="line">
+            <a:avLst/>
+          </a:prstGeom>
+        </p:spPr>
+        <p:style>
+          <a:lnRef idx="2">
+            <a:schemeClr val="dk1"/>
+          </a:lnRef>
+          <a:fillRef idx="0">
+            <a:schemeClr val="dk1"/>
+          </a:fillRef>
+          <a:effectRef idx="1">
+            <a:schemeClr val="dk1"/>
+          </a:effectRef>
+          <a:fontRef idx="minor">
+            <a:schemeClr val="tx1"/>
+          </a:fontRef>
+        </p:style>
+      </p:cxnSp>
+      <p:cxnSp>
+        <p:nvCxnSpPr>
+          <p:cNvPr id="35" name="Straight Connector 34">
+            <a:extLst>
+              <a:ext uri="{FF2B5EF4-FFF2-40B4-BE49-F238E27FC236}">
+                <a16:creationId xmlns:a16="http://schemas.microsoft.com/office/drawing/2014/main" id="{14D0E388-82D0-D866-F99D-3BDE2FFE0F70}"/>
+              </a:ext>
+            </a:extLst>
+          </p:cNvPr>
+          <p:cNvCxnSpPr/>
+          <p:nvPr/>
+        </p:nvCxnSpPr>
+        <p:spPr>
+          <a:xfrm>
+            <a:off x="7057646" y="3168687"/>
+            <a:ext cx="2524134" cy="0"/>
+          </a:xfrm>
+          <a:prstGeom prst="line">
+            <a:avLst/>
+          </a:prstGeom>
+        </p:spPr>
+        <p:style>
+          <a:lnRef idx="2">
+            <a:schemeClr val="dk1"/>
+          </a:lnRef>
+          <a:fillRef idx="0">
+            <a:schemeClr val="dk1"/>
+          </a:fillRef>
+          <a:effectRef idx="1">
+            <a:schemeClr val="dk1"/>
+          </a:effectRef>
+          <a:fontRef idx="minor">
+            <a:schemeClr val="tx1"/>
+          </a:fontRef>
+        </p:style>
+      </p:cxnSp>
+      <p:cxnSp>
+        <p:nvCxnSpPr>
+          <p:cNvPr id="36" name="Straight Connector 35">
+            <a:extLst>
+              <a:ext uri="{FF2B5EF4-FFF2-40B4-BE49-F238E27FC236}">
+                <a16:creationId xmlns:a16="http://schemas.microsoft.com/office/drawing/2014/main" id="{976F82B4-9AE0-3B95-5C04-429F2047E289}"/>
+              </a:ext>
+            </a:extLst>
+          </p:cNvPr>
+          <p:cNvCxnSpPr/>
+          <p:nvPr/>
+        </p:nvCxnSpPr>
+        <p:spPr>
+          <a:xfrm>
+            <a:off x="7057646" y="3745939"/>
+            <a:ext cx="2524134" cy="0"/>
+          </a:xfrm>
+          <a:prstGeom prst="line">
+            <a:avLst/>
+          </a:prstGeom>
+        </p:spPr>
+        <p:style>
+          <a:lnRef idx="2">
+            <a:schemeClr val="dk1"/>
+          </a:lnRef>
+          <a:fillRef idx="0">
+            <a:schemeClr val="dk1"/>
+          </a:fillRef>
+          <a:effectRef idx="1">
+            <a:schemeClr val="dk1"/>
+          </a:effectRef>
+          <a:fontRef idx="minor">
+            <a:schemeClr val="tx1"/>
+          </a:fontRef>
+        </p:style>
+      </p:cxnSp>
+      <p:cxnSp>
+        <p:nvCxnSpPr>
+          <p:cNvPr id="37" name="Straight Connector 36">
+            <a:extLst>
+              <a:ext uri="{FF2B5EF4-FFF2-40B4-BE49-F238E27FC236}">
+                <a16:creationId xmlns:a16="http://schemas.microsoft.com/office/drawing/2014/main" id="{319A3786-757E-C403-DD22-B7761A739833}"/>
+              </a:ext>
+            </a:extLst>
+          </p:cNvPr>
+          <p:cNvCxnSpPr/>
+          <p:nvPr/>
+        </p:nvCxnSpPr>
+        <p:spPr>
+          <a:xfrm>
+            <a:off x="7089711" y="4343663"/>
+            <a:ext cx="2524134" cy="0"/>
+          </a:xfrm>
+          <a:prstGeom prst="line">
+            <a:avLst/>
+          </a:prstGeom>
+        </p:spPr>
+        <p:style>
+          <a:lnRef idx="2">
+            <a:schemeClr val="dk1"/>
+          </a:lnRef>
+          <a:fillRef idx="0">
+            <a:schemeClr val="dk1"/>
+          </a:fillRef>
+          <a:effectRef idx="1">
+            <a:schemeClr val="dk1"/>
+          </a:effectRef>
+          <a:fontRef idx="minor">
+            <a:schemeClr val="tx1"/>
+          </a:fontRef>
+        </p:style>
+      </p:cxnSp>
+      <p:cxnSp>
+        <p:nvCxnSpPr>
+          <p:cNvPr id="47" name="Straight Connector 46">
+            <a:extLst>
+              <a:ext uri="{FF2B5EF4-FFF2-40B4-BE49-F238E27FC236}">
+                <a16:creationId xmlns:a16="http://schemas.microsoft.com/office/drawing/2014/main" id="{10EFE72F-5523-57AC-193D-248943FC6675}"/>
+              </a:ext>
+            </a:extLst>
+          </p:cNvPr>
+          <p:cNvCxnSpPr/>
+          <p:nvPr/>
+        </p:nvCxnSpPr>
+        <p:spPr>
+          <a:xfrm>
+            <a:off x="7078204" y="4804213"/>
+            <a:ext cx="2524134" cy="0"/>
+          </a:xfrm>
+          <a:prstGeom prst="line">
+            <a:avLst/>
+          </a:prstGeom>
+        </p:spPr>
+        <p:style>
+          <a:lnRef idx="2">
+            <a:schemeClr val="dk1"/>
+          </a:lnRef>
+          <a:fillRef idx="0">
+            <a:schemeClr val="dk1"/>
+          </a:fillRef>
+          <a:effectRef idx="1">
+            <a:schemeClr val="dk1"/>
+          </a:effectRef>
+          <a:fontRef idx="minor">
+            <a:schemeClr val="tx1"/>
+          </a:fontRef>
+        </p:style>
+      </p:cxnSp>
+      <p:sp>
+        <p:nvSpPr>
+          <p:cNvPr id="48" name="TextBox 47">
+            <a:extLst>
+              <a:ext uri="{FF2B5EF4-FFF2-40B4-BE49-F238E27FC236}">
+                <a16:creationId xmlns:a16="http://schemas.microsoft.com/office/drawing/2014/main" id="{35D85332-586A-652B-AE0F-593EA2E65A90}"/>
+              </a:ext>
+            </a:extLst>
+          </p:cNvPr>
+          <p:cNvSpPr txBox="1"/>
+          <p:nvPr/>
+        </p:nvSpPr>
+        <p:spPr>
+          <a:xfrm>
+            <a:off x="2697933" y="2608204"/>
+            <a:ext cx="642717" cy="400110"/>
+          </a:xfrm>
+          <a:prstGeom prst="rect">
+            <a:avLst/>
+          </a:prstGeom>
+          <a:noFill/>
+        </p:spPr>
+        <p:txBody>
+          <a:bodyPr wrap="square" rtlCol="0">
+            <a:spAutoFit/>
+          </a:bodyPr>
+          <a:lstStyle/>
+          <a:p>
+            <a:pPr algn="ctr"/>
+            <a:r>
+              <a:rPr lang="de-DE" sz="2000" dirty="0"/>
+              <a:t>Typ:</a:t>
+            </a:r>
+          </a:p>
+        </p:txBody>
+      </p:sp>
+      <p:sp>
+        <p:nvSpPr>
+          <p:cNvPr id="49" name="Rectangle 48">
+            <a:extLst>
+              <a:ext uri="{FF2B5EF4-FFF2-40B4-BE49-F238E27FC236}">
+                <a16:creationId xmlns:a16="http://schemas.microsoft.com/office/drawing/2014/main" id="{E73307AB-640F-AD34-CDD3-4C0010A374F2}"/>
+              </a:ext>
+            </a:extLst>
+          </p:cNvPr>
+          <p:cNvSpPr/>
+          <p:nvPr/>
+        </p:nvSpPr>
+        <p:spPr>
+          <a:xfrm>
+            <a:off x="3452787" y="2594643"/>
+            <a:ext cx="3526082" cy="461665"/>
+          </a:xfrm>
+          <a:prstGeom prst="rect">
+            <a:avLst/>
+          </a:prstGeom>
+          <a:noFill/>
+        </p:spPr>
+        <p:style>
+          <a:lnRef idx="2">
+            <a:schemeClr val="accent1">
+              <a:shade val="15000"/>
+            </a:schemeClr>
+          </a:lnRef>
+          <a:fillRef idx="1">
+            <a:schemeClr val="accent1"/>
+          </a:fillRef>
+          <a:effectRef idx="0">
+            <a:schemeClr val="accent1"/>
+          </a:effectRef>
+          <a:fontRef idx="minor">
+            <a:schemeClr val="lt1"/>
+          </a:fontRef>
+        </p:style>
+        <p:txBody>
+          <a:bodyPr rtlCol="0" anchor="ctr"/>
+          <a:lstStyle/>
+          <a:p>
+            <a:pPr algn="ctr"/>
+            <a:endParaRPr lang="de-DE"/>
+          </a:p>
+        </p:txBody>
+      </p:sp>
+      <p:sp>
+        <p:nvSpPr>
+          <p:cNvPr id="50" name="TextBox 49">
+            <a:extLst>
+              <a:ext uri="{FF2B5EF4-FFF2-40B4-BE49-F238E27FC236}">
+                <a16:creationId xmlns:a16="http://schemas.microsoft.com/office/drawing/2014/main" id="{C4798858-E1E8-011D-A91A-0F6D734AE9BA}"/>
+              </a:ext>
+            </a:extLst>
+          </p:cNvPr>
+          <p:cNvSpPr txBox="1"/>
+          <p:nvPr/>
+        </p:nvSpPr>
+        <p:spPr>
+          <a:xfrm>
+            <a:off x="3518243" y="2635422"/>
+            <a:ext cx="3259248" cy="369332"/>
+          </a:xfrm>
+          <a:prstGeom prst="rect">
+            <a:avLst/>
+          </a:prstGeom>
+          <a:noFill/>
+        </p:spPr>
+        <p:txBody>
+          <a:bodyPr wrap="square" rtlCol="0">
+            <a:spAutoFit/>
+          </a:bodyPr>
+          <a:lstStyle/>
+          <a:p>
+            <a:r>
+              <a:rPr lang="de-DE" dirty="0"/>
+              <a:t>Dropdown</a:t>
+            </a:r>
+          </a:p>
+        </p:txBody>
+      </p:sp>
+      <p:sp>
+        <p:nvSpPr>
+          <p:cNvPr id="51" name="TextBox 50">
+            <a:extLst>
+              <a:ext uri="{FF2B5EF4-FFF2-40B4-BE49-F238E27FC236}">
+                <a16:creationId xmlns:a16="http://schemas.microsoft.com/office/drawing/2014/main" id="{2661A483-2D62-AF37-383D-8D3204321514}"/>
+              </a:ext>
+            </a:extLst>
+          </p:cNvPr>
+          <p:cNvSpPr txBox="1"/>
+          <p:nvPr/>
+        </p:nvSpPr>
+        <p:spPr>
+          <a:xfrm>
+            <a:off x="7071764" y="2631952"/>
+            <a:ext cx="2524134" cy="400110"/>
+          </a:xfrm>
+          <a:prstGeom prst="rect">
+            <a:avLst/>
+          </a:prstGeom>
+          <a:noFill/>
+        </p:spPr>
+        <p:txBody>
+          <a:bodyPr wrap="square" rtlCol="0">
+            <a:spAutoFit/>
+          </a:bodyPr>
+          <a:lstStyle/>
+          <a:p>
+            <a:pPr algn="ctr"/>
+            <a:r>
+              <a:rPr lang="de-DE" sz="2000" dirty="0"/>
+              <a:t>Ausgabe</a:t>
+            </a:r>
+          </a:p>
+        </p:txBody>
+      </p:sp>
+      <p:cxnSp>
+        <p:nvCxnSpPr>
+          <p:cNvPr id="52" name="Straight Connector 51">
+            <a:extLst>
+              <a:ext uri="{FF2B5EF4-FFF2-40B4-BE49-F238E27FC236}">
+                <a16:creationId xmlns:a16="http://schemas.microsoft.com/office/drawing/2014/main" id="{7E338211-5F61-5D1B-9D4A-575FF96858F0}"/>
+              </a:ext>
+            </a:extLst>
+          </p:cNvPr>
+          <p:cNvCxnSpPr/>
+          <p:nvPr/>
+        </p:nvCxnSpPr>
+        <p:spPr>
+          <a:xfrm>
+            <a:off x="7048594" y="3056308"/>
+            <a:ext cx="2524134" cy="0"/>
+          </a:xfrm>
+          <a:prstGeom prst="line">
+            <a:avLst/>
+          </a:prstGeom>
+        </p:spPr>
+        <p:style>
+          <a:lnRef idx="2">
+            <a:schemeClr val="dk1"/>
+          </a:lnRef>
+          <a:fillRef idx="0">
+            <a:schemeClr val="dk1"/>
+          </a:fillRef>
+          <a:effectRef idx="1">
+            <a:schemeClr val="dk1"/>
+          </a:effectRef>
+          <a:fontRef idx="minor">
+            <a:schemeClr val="tx1"/>
+          </a:fontRef>
+        </p:style>
+      </p:cxnSp>
+      <p:cxnSp>
+        <p:nvCxnSpPr>
+          <p:cNvPr id="53" name="Straight Connector 52">
+            <a:extLst>
+              <a:ext uri="{FF2B5EF4-FFF2-40B4-BE49-F238E27FC236}">
+                <a16:creationId xmlns:a16="http://schemas.microsoft.com/office/drawing/2014/main" id="{57136E78-7603-F1B1-A98B-4C5E19DC6885}"/>
+              </a:ext>
+            </a:extLst>
+          </p:cNvPr>
+          <p:cNvCxnSpPr/>
+          <p:nvPr/>
+        </p:nvCxnSpPr>
+        <p:spPr>
+          <a:xfrm>
+            <a:off x="7048594" y="2608204"/>
+            <a:ext cx="2524134" cy="0"/>
+          </a:xfrm>
+          <a:prstGeom prst="line">
+            <a:avLst/>
+          </a:prstGeom>
+        </p:spPr>
+        <p:style>
+          <a:lnRef idx="2">
+            <a:schemeClr val="dk1"/>
+          </a:lnRef>
+          <a:fillRef idx="0">
+            <a:schemeClr val="dk1"/>
+          </a:fillRef>
+          <a:effectRef idx="1">
+            <a:schemeClr val="dk1"/>
+          </a:effectRef>
+          <a:fontRef idx="minor">
+            <a:schemeClr val="tx1"/>
+          </a:fontRef>
+        </p:style>
+      </p:cxnSp>
+    </p:spTree>
+    <p:extLst>
+      <p:ext uri="{BB962C8B-B14F-4D97-AF65-F5344CB8AC3E}">
+        <p14:creationId xmlns:p14="http://schemas.microsoft.com/office/powerpoint/2010/main" val="2280876541"/>
       </p:ext>
     </p:extLst>
   </p:cSld>
@@ -8593,6 +11039,15 @@
 </file>
 
 <file path=customXml/item1.xml><?xml version="1.0" encoding="utf-8"?>
+<?mso-contentType ?>
+<FormTemplates xmlns="http://schemas.microsoft.com/sharepoint/v3/contenttype/forms">
+  <Display>DocumentLibraryForm</Display>
+  <Edit>DocumentLibraryForm</Edit>
+  <New>DocumentLibraryForm</New>
+</FormTemplates>
+</file>
+
+<file path=customXml/item2.xml><?xml version="1.0" encoding="utf-8"?>
 <ct:contentTypeSchema xmlns:ct="http://schemas.microsoft.com/office/2006/metadata/contentType" xmlns:ma="http://schemas.microsoft.com/office/2006/metadata/properties/metaAttributes" ct:_="" ma:_="" ma:contentTypeName="Dokument" ma:contentTypeID="0x010100BCF6046EB14F664F95827453163D3D03" ma:contentTypeVersion="13" ma:contentTypeDescription="Ein neues Dokument erstellen." ma:contentTypeScope="" ma:versionID="d54e1d33bb12c5ead04b055dab0d8d40">
   <xsd:schema xmlns:xsd="http://www.w3.org/2001/XMLSchema" xmlns:xs="http://www.w3.org/2001/XMLSchema" xmlns:p="http://schemas.microsoft.com/office/2006/metadata/properties" xmlns:ns3="fbeb1cc2-2091-43d1-9102-3f9bd08d40a8" xmlns:ns4="1570b13e-2fa2-4e64-b9c9-a7966cfb96c1" targetNamespace="http://schemas.microsoft.com/office/2006/metadata/properties" ma:root="true" ma:fieldsID="6fca49c3470cb4b9895d9befd809dafa" ns3:_="" ns4:_="">
     <xsd:import namespace="fbeb1cc2-2091-43d1-9102-3f9bd08d40a8"/>
@@ -8813,15 +11268,6 @@
 </ct:contentTypeSchema>
 </file>
 
-<file path=customXml/item2.xml><?xml version="1.0" encoding="utf-8"?>
-<?mso-contentType ?>
-<FormTemplates xmlns="http://schemas.microsoft.com/sharepoint/v3/contenttype/forms">
-  <Display>DocumentLibraryForm</Display>
-  <Edit>DocumentLibraryForm</Edit>
-  <New>DocumentLibraryForm</New>
-</FormTemplates>
-</file>
-
 <file path=customXml/item3.xml><?xml version="1.0" encoding="utf-8"?>
 <p:properties xmlns:p="http://schemas.microsoft.com/office/2006/metadata/properties" xmlns:xsi="http://www.w3.org/2001/XMLSchema-instance" xmlns:pc="http://schemas.microsoft.com/office/infopath/2007/PartnerControls">
   <documentManagement>
@@ -8831,6 +11277,14 @@
 </file>
 
 <file path=customXml/itemProps1.xml><?xml version="1.0" encoding="utf-8"?>
+<ds:datastoreItem xmlns:ds="http://schemas.openxmlformats.org/officeDocument/2006/customXml" ds:itemID="{582F0C80-921A-4ED2-A405-69CB9444F8BA}">
+  <ds:schemaRefs>
+    <ds:schemaRef ds:uri="http://schemas.microsoft.com/sharepoint/v3/contenttype/forms"/>
+  </ds:schemaRefs>
+</ds:datastoreItem>
+</file>
+
+<file path=customXml/itemProps2.xml><?xml version="1.0" encoding="utf-8"?>
 <ds:datastoreItem xmlns:ds="http://schemas.openxmlformats.org/officeDocument/2006/customXml" ds:itemID="{D1AAC4CC-6FCC-4633-B882-9BED2DC3B975}">
   <ds:schemaRefs>
     <ds:schemaRef ds:uri="http://schemas.microsoft.com/office/2006/metadata/contentType"/>
@@ -8845,14 +11299,6 @@
     <ds:schemaRef ds:uri="http://purl.org/dc/elements/1.1/"/>
     <ds:schemaRef ds:uri="http://purl.org/dc/terms/"/>
     <ds:schemaRef ds:uri="http://schemas.microsoft.com/internal/obd"/>
-  </ds:schemaRefs>
-</ds:datastoreItem>
-</file>
-
-<file path=customXml/itemProps2.xml><?xml version="1.0" encoding="utf-8"?>
-<ds:datastoreItem xmlns:ds="http://schemas.openxmlformats.org/officeDocument/2006/customXml" ds:itemID="{582F0C80-921A-4ED2-A405-69CB9444F8BA}">
-  <ds:schemaRefs>
-    <ds:schemaRef ds:uri="http://schemas.microsoft.com/sharepoint/v3/contenttype/forms"/>
   </ds:schemaRefs>
 </ds:datastoreItem>
 </file>
